--- a/FW/Hau/JSON/Json.pptx
+++ b/FW/Hau/JSON/Json.pptx
@@ -903,10 +903,9 @@
         <a:lstStyle/>
         <a:p>
           <a:r>
-            <a:rPr lang="en-US" smtClean="0"/>
+            <a:rPr lang="en-US"/>
             <a:t>JSON</a:t>
           </a:r>
-          <a:endParaRPr lang="en-US"/>
         </a:p>
       </dgm:t>
     </dgm:pt>
@@ -940,10 +939,9 @@
         <a:lstStyle/>
         <a:p>
           <a:r>
-            <a:rPr lang="en-US" smtClean="0"/>
+            <a:rPr lang="en-US"/>
             <a:t>Là một chuỗi</a:t>
           </a:r>
-          <a:endParaRPr lang="en-US"/>
         </a:p>
       </dgm:t>
     </dgm:pt>
@@ -977,10 +975,9 @@
         <a:lstStyle/>
         <a:p>
           <a:r>
-            <a:rPr lang="en-US" smtClean="0"/>
+            <a:rPr lang="en-US"/>
             <a:t>Định dạng : Key - value</a:t>
           </a:r>
-          <a:endParaRPr lang="en-US"/>
         </a:p>
       </dgm:t>
     </dgm:pt>
@@ -1016,24 +1013,10 @@
         </dgm:presLayoutVars>
       </dgm:prSet>
       <dgm:spPr/>
-      <dgm:t>
-        <a:bodyPr/>
-        <a:lstStyle/>
-        <a:p>
-          <a:endParaRPr lang="en-US"/>
-        </a:p>
-      </dgm:t>
     </dgm:pt>
     <dgm:pt modelId="{E4E5017C-1C11-4529-BA30-E454497F1C92}" type="pres">
       <dgm:prSet presAssocID="{34A26064-53E4-4372-A5D8-57FFC5D389F8}" presName="centerShape" presStyleLbl="node0" presStyleIdx="0" presStyleCnt="1"/>
       <dgm:spPr/>
-      <dgm:t>
-        <a:bodyPr/>
-        <a:lstStyle/>
-        <a:p>
-          <a:endParaRPr lang="en-US"/>
-        </a:p>
-      </dgm:t>
     </dgm:pt>
     <dgm:pt modelId="{F1F49EBC-0DB0-48A4-98B8-CDC7E3096DF6}" type="pres">
       <dgm:prSet presAssocID="{4E4AA2A2-7FB6-42B0-924D-F1DB03377CC9}" presName="node" presStyleLbl="node1" presStyleIdx="0" presStyleCnt="2">
@@ -1042,13 +1025,6 @@
         </dgm:presLayoutVars>
       </dgm:prSet>
       <dgm:spPr/>
-      <dgm:t>
-        <a:bodyPr/>
-        <a:lstStyle/>
-        <a:p>
-          <a:endParaRPr lang="en-US"/>
-        </a:p>
-      </dgm:t>
     </dgm:pt>
     <dgm:pt modelId="{8F485C9A-FADC-4691-AE13-83893B6A1FAB}" type="pres">
       <dgm:prSet presAssocID="{4E4AA2A2-7FB6-42B0-924D-F1DB03377CC9}" presName="dummy" presStyleCnt="0"/>
@@ -1057,13 +1033,6 @@
     <dgm:pt modelId="{96FBB96D-BDC8-42AE-A10B-A8FFD4AD3015}" type="pres">
       <dgm:prSet presAssocID="{9F6B0DD0-1B61-4249-8429-3DBE88C3EE6A}" presName="sibTrans" presStyleLbl="sibTrans2D1" presStyleIdx="0" presStyleCnt="2"/>
       <dgm:spPr/>
-      <dgm:t>
-        <a:bodyPr/>
-        <a:lstStyle/>
-        <a:p>
-          <a:endParaRPr lang="en-US"/>
-        </a:p>
-      </dgm:t>
     </dgm:pt>
     <dgm:pt modelId="{081F22BD-7F0F-4D5E-8E49-219570C50439}" type="pres">
       <dgm:prSet presAssocID="{6B41E443-9AE9-42FD-B255-878AA7BF376A}" presName="node" presStyleLbl="node1" presStyleIdx="1" presStyleCnt="2" custScaleX="143566">
@@ -1072,13 +1041,6 @@
         </dgm:presLayoutVars>
       </dgm:prSet>
       <dgm:spPr/>
-      <dgm:t>
-        <a:bodyPr/>
-        <a:lstStyle/>
-        <a:p>
-          <a:endParaRPr lang="en-US"/>
-        </a:p>
-      </dgm:t>
     </dgm:pt>
     <dgm:pt modelId="{C55BADA2-B3BF-4018-9F72-3CA07E161FE9}" type="pres">
       <dgm:prSet presAssocID="{6B41E443-9AE9-42FD-B255-878AA7BF376A}" presName="dummy" presStyleCnt="0"/>
@@ -1087,25 +1049,18 @@
     <dgm:pt modelId="{967C4044-20F3-46DE-B4ED-606B292DAB8E}" type="pres">
       <dgm:prSet presAssocID="{4B224882-59D9-4440-B374-75A5DC89370B}" presName="sibTrans" presStyleLbl="sibTrans2D1" presStyleIdx="1" presStyleCnt="2"/>
       <dgm:spPr/>
-      <dgm:t>
-        <a:bodyPr/>
-        <a:lstStyle/>
-        <a:p>
-          <a:endParaRPr lang="en-US"/>
-        </a:p>
-      </dgm:t>
     </dgm:pt>
   </dgm:ptLst>
   <dgm:cxnLst>
-    <dgm:cxn modelId="{1AFDDC56-C91F-47F5-B94A-80A8B6EFCC59}" srcId="{34A26064-53E4-4372-A5D8-57FFC5D389F8}" destId="{6B41E443-9AE9-42FD-B255-878AA7BF376A}" srcOrd="1" destOrd="0" parTransId="{65E88A88-DA0D-45C1-B4C7-971CC14B09F1}" sibTransId="{4B224882-59D9-4440-B374-75A5DC89370B}"/>
+    <dgm:cxn modelId="{8B9BDF07-6407-4319-A790-19B19EDCDA6A}" srcId="{34A26064-53E4-4372-A5D8-57FFC5D389F8}" destId="{4E4AA2A2-7FB6-42B0-924D-F1DB03377CC9}" srcOrd="0" destOrd="0" parTransId="{85C74249-EE3F-47F2-9933-088053733677}" sibTransId="{9F6B0DD0-1B61-4249-8429-3DBE88C3EE6A}"/>
     <dgm:cxn modelId="{8694CC5E-58C7-4CBD-B22C-6F90C285D4F9}" type="presOf" srcId="{9F6B0DD0-1B61-4249-8429-3DBE88C3EE6A}" destId="{96FBB96D-BDC8-42AE-A10B-A8FFD4AD3015}" srcOrd="0" destOrd="0" presId="urn:microsoft.com/office/officeart/2005/8/layout/radial6"/>
-    <dgm:cxn modelId="{0B1173A5-57A9-430C-9157-3DF9A5DF61C4}" type="presOf" srcId="{6B41E443-9AE9-42FD-B255-878AA7BF376A}" destId="{081F22BD-7F0F-4D5E-8E49-219570C50439}" srcOrd="0" destOrd="0" presId="urn:microsoft.com/office/officeart/2005/8/layout/radial6"/>
     <dgm:cxn modelId="{58F10567-98C3-43E9-85DD-DB865CD020BD}" type="presOf" srcId="{34A26064-53E4-4372-A5D8-57FFC5D389F8}" destId="{E4E5017C-1C11-4529-BA30-E454497F1C92}" srcOrd="0" destOrd="0" presId="urn:microsoft.com/office/officeart/2005/8/layout/radial6"/>
     <dgm:cxn modelId="{FA36B16D-E1C5-4B8B-AA49-820F79B2E23F}" type="presOf" srcId="{4BCCA466-A105-4B5C-B03F-51DE9C2AE9E4}" destId="{9C1D1AF5-5031-4C4A-9F00-FCC12D4971E2}" srcOrd="0" destOrd="0" presId="urn:microsoft.com/office/officeart/2005/8/layout/radial6"/>
-    <dgm:cxn modelId="{8B9BDF07-6407-4319-A790-19B19EDCDA6A}" srcId="{34A26064-53E4-4372-A5D8-57FFC5D389F8}" destId="{4E4AA2A2-7FB6-42B0-924D-F1DB03377CC9}" srcOrd="0" destOrd="0" parTransId="{85C74249-EE3F-47F2-9933-088053733677}" sibTransId="{9F6B0DD0-1B61-4249-8429-3DBE88C3EE6A}"/>
-    <dgm:cxn modelId="{841771B1-33A6-4C83-8265-A68D8C52B9FC}" srcId="{4BCCA466-A105-4B5C-B03F-51DE9C2AE9E4}" destId="{34A26064-53E4-4372-A5D8-57FFC5D389F8}" srcOrd="0" destOrd="0" parTransId="{F4FBA16E-E8F6-4836-90D8-727CE1FE6FD8}" sibTransId="{48C2444E-83E8-458C-81E6-8136B22F3106}"/>
+    <dgm:cxn modelId="{1AFDDC56-C91F-47F5-B94A-80A8B6EFCC59}" srcId="{34A26064-53E4-4372-A5D8-57FFC5D389F8}" destId="{6B41E443-9AE9-42FD-B255-878AA7BF376A}" srcOrd="1" destOrd="0" parTransId="{65E88A88-DA0D-45C1-B4C7-971CC14B09F1}" sibTransId="{4B224882-59D9-4440-B374-75A5DC89370B}"/>
     <dgm:cxn modelId="{94625658-491A-4672-A301-70236493EDCB}" type="presOf" srcId="{4E4AA2A2-7FB6-42B0-924D-F1DB03377CC9}" destId="{F1F49EBC-0DB0-48A4-98B8-CDC7E3096DF6}" srcOrd="0" destOrd="0" presId="urn:microsoft.com/office/officeart/2005/8/layout/radial6"/>
     <dgm:cxn modelId="{BC1FEC94-E81F-4379-91AA-92F3A5E0757F}" type="presOf" srcId="{4B224882-59D9-4440-B374-75A5DC89370B}" destId="{967C4044-20F3-46DE-B4ED-606B292DAB8E}" srcOrd="0" destOrd="0" presId="urn:microsoft.com/office/officeart/2005/8/layout/radial6"/>
+    <dgm:cxn modelId="{0B1173A5-57A9-430C-9157-3DF9A5DF61C4}" type="presOf" srcId="{6B41E443-9AE9-42FD-B255-878AA7BF376A}" destId="{081F22BD-7F0F-4D5E-8E49-219570C50439}" srcOrd="0" destOrd="0" presId="urn:microsoft.com/office/officeart/2005/8/layout/radial6"/>
+    <dgm:cxn modelId="{841771B1-33A6-4C83-8265-A68D8C52B9FC}" srcId="{4BCCA466-A105-4B5C-B03F-51DE9C2AE9E4}" destId="{34A26064-53E4-4372-A5D8-57FFC5D389F8}" srcOrd="0" destOrd="0" parTransId="{F4FBA16E-E8F6-4836-90D8-727CE1FE6FD8}" sibTransId="{48C2444E-83E8-458C-81E6-8136B22F3106}"/>
     <dgm:cxn modelId="{6565D2EB-2979-4251-8DC0-540B3AC14BF8}" type="presParOf" srcId="{9C1D1AF5-5031-4C4A-9F00-FCC12D4971E2}" destId="{E4E5017C-1C11-4529-BA30-E454497F1C92}" srcOrd="0" destOrd="0" presId="urn:microsoft.com/office/officeart/2005/8/layout/radial6"/>
     <dgm:cxn modelId="{3C5D07EB-BD15-4E7F-992B-EBA2392F185A}" type="presParOf" srcId="{9C1D1AF5-5031-4C4A-9F00-FCC12D4971E2}" destId="{F1F49EBC-0DB0-48A4-98B8-CDC7E3096DF6}" srcOrd="1" destOrd="0" presId="urn:microsoft.com/office/officeart/2005/8/layout/radial6"/>
     <dgm:cxn modelId="{BEA9E348-36BF-4081-8333-FEBF402F77E1}" type="presParOf" srcId="{9C1D1AF5-5031-4C4A-9F00-FCC12D4971E2}" destId="{8F485C9A-FADC-4691-AE13-83893B6A1FAB}" srcOrd="2" destOrd="0" presId="urn:microsoft.com/office/officeart/2005/8/layout/radial6"/>
@@ -1279,7 +1234,7 @@
         </a:bodyPr>
         <a:lstStyle/>
         <a:p>
-          <a:pPr lvl="0" algn="ctr" defTabSz="2044700">
+          <a:pPr marL="0" lvl="0" indent="0" algn="ctr" defTabSz="2044700">
             <a:lnSpc>
               <a:spcPct val="90000"/>
             </a:lnSpc>
@@ -1289,12 +1244,12 @@
             <a:spcAft>
               <a:spcPct val="35000"/>
             </a:spcAft>
+            <a:buNone/>
           </a:pPr>
           <a:r>
-            <a:rPr lang="en-US" sz="4600" kern="1200" smtClean="0"/>
+            <a:rPr lang="en-US" sz="4600" kern="1200"/>
             <a:t>JSON</a:t>
           </a:r>
-          <a:endParaRPr lang="en-US" sz="4600" kern="1200"/>
         </a:p>
       </dsp:txBody>
       <dsp:txXfrm>
@@ -1357,7 +1312,7 @@
         </a:bodyPr>
         <a:lstStyle/>
         <a:p>
-          <a:pPr lvl="0" algn="ctr" defTabSz="977900">
+          <a:pPr marL="0" lvl="0" indent="0" algn="ctr" defTabSz="977900">
             <a:lnSpc>
               <a:spcPct val="90000"/>
             </a:lnSpc>
@@ -1367,12 +1322,12 @@
             <a:spcAft>
               <a:spcPct val="35000"/>
             </a:spcAft>
+            <a:buNone/>
           </a:pPr>
           <a:r>
-            <a:rPr lang="en-US" sz="2200" kern="1200" smtClean="0"/>
+            <a:rPr lang="en-US" sz="2200" kern="1200"/>
             <a:t>Là một chuỗi</a:t>
           </a:r>
-          <a:endParaRPr lang="en-US" sz="2200" kern="1200"/>
         </a:p>
       </dsp:txBody>
       <dsp:txXfrm>
@@ -1435,7 +1390,7 @@
         </a:bodyPr>
         <a:lstStyle/>
         <a:p>
-          <a:pPr lvl="0" algn="ctr" defTabSz="977900">
+          <a:pPr marL="0" lvl="0" indent="0" algn="ctr" defTabSz="977900">
             <a:lnSpc>
               <a:spcPct val="90000"/>
             </a:lnSpc>
@@ -1445,12 +1400,12 @@
             <a:spcAft>
               <a:spcPct val="35000"/>
             </a:spcAft>
+            <a:buNone/>
           </a:pPr>
           <a:r>
-            <a:rPr lang="en-US" sz="2200" kern="1200" smtClean="0"/>
+            <a:rPr lang="en-US" sz="2200" kern="1200"/>
             <a:t>Định dạng : Key - value</a:t>
           </a:r>
-          <a:endParaRPr lang="en-US" sz="2200" kern="1200"/>
         </a:p>
       </dsp:txBody>
       <dsp:txXfrm>
@@ -2985,7 +2940,7 @@
           <a:p>
             <a:fld id="{BE921E71-55FB-4F70-BA64-7E87629B9540}" type="datetimeFigureOut">
               <a:rPr lang="en-US" smtClean="0"/>
-              <a:t>7/23/2020</a:t>
+              <a:t>8/23/2020</a:t>
             </a:fld>
             <a:endParaRPr lang="en-US"/>
           </a:p>
@@ -3049,38 +3004,37 @@
           <a:p>
             <a:pPr lvl="0"/>
             <a:r>
-              <a:rPr lang="en-US" smtClean="0"/>
+              <a:rPr lang="en-US"/>
               <a:t>Edit Master text styles</a:t>
             </a:r>
           </a:p>
           <a:p>
             <a:pPr lvl="1"/>
             <a:r>
-              <a:rPr lang="en-US" smtClean="0"/>
+              <a:rPr lang="en-US"/>
               <a:t>Second level</a:t>
             </a:r>
           </a:p>
           <a:p>
             <a:pPr lvl="2"/>
             <a:r>
-              <a:rPr lang="en-US" smtClean="0"/>
+              <a:rPr lang="en-US"/>
               <a:t>Third level</a:t>
             </a:r>
           </a:p>
           <a:p>
             <a:pPr lvl="3"/>
             <a:r>
-              <a:rPr lang="en-US" smtClean="0"/>
+              <a:rPr lang="en-US"/>
               <a:t>Fourth level</a:t>
             </a:r>
           </a:p>
           <a:p>
             <a:pPr lvl="4"/>
             <a:r>
-              <a:rPr lang="en-US" smtClean="0"/>
+              <a:rPr lang="en-US"/>
               <a:t>Fifth level</a:t>
             </a:r>
-            <a:endParaRPr lang="en-US"/>
           </a:p>
         </p:txBody>
       </p:sp>
@@ -3324,13 +3278,6 @@
   <p:clrMapOvr>
     <a:masterClrMapping/>
   </p:clrMapOvr>
-  <p:timing>
-    <p:tnLst>
-      <p:par>
-        <p:cTn id="1" dur="indefinite" restart="never" nodeType="tmRoot"/>
-      </p:par>
-    </p:tnLst>
-  </p:timing>
 </p:sldLayout>
 </file>
 
@@ -3439,17 +3386,16 @@
           </a:lstStyle>
           <a:p>
             <a:r>
-              <a:rPr lang="en-US" dirty="0" smtClean="0"/>
+              <a:rPr lang="en-US" dirty="0"/>
               <a:t>Headline here</a:t>
             </a:r>
             <a:br>
-              <a:rPr lang="en-US" dirty="0" smtClean="0"/>
+              <a:rPr lang="en-US" dirty="0"/>
             </a:br>
             <a:r>
-              <a:rPr lang="en-US" dirty="0" smtClean="0"/>
+              <a:rPr lang="en-US" dirty="0"/>
               <a:t>Content</a:t>
             </a:r>
-            <a:endParaRPr lang="en-US" dirty="0"/>
           </a:p>
         </p:txBody>
       </p:sp>
@@ -3482,7 +3428,7 @@
           </a:lstStyle>
           <a:p>
             <a:r>
-              <a:rPr lang="en-US" smtClean="0"/>
+              <a:rPr lang="en-US"/>
               <a:t>www.indruino.com</a:t>
             </a:r>
             <a:endParaRPr lang="en-US" dirty="0"/>
@@ -3553,16 +3499,15 @@
           </a:lstStyle>
           <a:p>
             <a:r>
-              <a:rPr lang="en-US" dirty="0" smtClean="0"/>
+              <a:rPr lang="en-US" dirty="0"/>
               <a:t>Subhead here</a:t>
             </a:r>
           </a:p>
           <a:p>
             <a:r>
-              <a:rPr lang="en-US" dirty="0" smtClean="0"/>
+              <a:rPr lang="en-US" dirty="0"/>
               <a:t>Content</a:t>
             </a:r>
-            <a:endParaRPr lang="en-US" dirty="0"/>
           </a:p>
         </p:txBody>
       </p:sp>
@@ -3783,89 +3728,52 @@
           </a:lstStyle>
           <a:p>
             <a:r>
-              <a:rPr lang="en-US" dirty="0" err="1" smtClean="0">
+              <a:rPr lang="en-US" dirty="0" err="1">
                 <a:solidFill>
                   <a:schemeClr val="bg1"/>
                 </a:solidFill>
+                <a:latin typeface="Segoe UI Black" panose="020B0A02040204020203" pitchFamily="34" charset="0"/>
+                <a:ea typeface="Segoe UI Black" panose="020B0A02040204020203" pitchFamily="34" charset="0"/>
               </a:rPr>
               <a:t>Diễn</a:t>
             </a:r>
             <a:r>
-              <a:rPr lang="en-US" dirty="0" smtClean="0">
+              <a:rPr lang="en-US" dirty="0">
                 <a:solidFill>
                   <a:schemeClr val="bg1"/>
                 </a:solidFill>
+                <a:latin typeface="Segoe UI Black" panose="020B0A02040204020203" pitchFamily="34" charset="0"/>
+                <a:ea typeface="Segoe UI Black" panose="020B0A02040204020203" pitchFamily="34" charset="0"/>
               </a:rPr>
               <a:t> </a:t>
             </a:r>
             <a:r>
-              <a:rPr lang="en-US" dirty="0" err="1" smtClean="0">
+              <a:rPr lang="en-US" dirty="0" err="1">
                 <a:solidFill>
                   <a:schemeClr val="bg1"/>
                 </a:solidFill>
+                <a:latin typeface="Segoe UI Black" panose="020B0A02040204020203" pitchFamily="34" charset="0"/>
+                <a:ea typeface="Segoe UI Black" panose="020B0A02040204020203" pitchFamily="34" charset="0"/>
               </a:rPr>
               <a:t>giả</a:t>
             </a:r>
             <a:r>
-              <a:rPr lang="en-US" dirty="0" smtClean="0">
+              <a:rPr lang="en-US" dirty="0">
                 <a:solidFill>
                   <a:schemeClr val="bg1"/>
                 </a:solidFill>
+                <a:latin typeface="Segoe UI Black" panose="020B0A02040204020203" pitchFamily="34" charset="0"/>
+                <a:ea typeface="Segoe UI Black" panose="020B0A02040204020203" pitchFamily="34" charset="0"/>
               </a:rPr>
               <a:t>: </a:t>
             </a:r>
             <a:r>
-              <a:rPr lang="en-US" dirty="0" err="1" smtClean="0">
+              <a:rPr lang="en-US" dirty="0" err="1">
                 <a:solidFill>
                   <a:schemeClr val="bg1"/>
                 </a:solidFill>
-              </a:rPr>
-              <a:t>Indruino</a:t>
-            </a:r>
-            <a:endParaRPr lang="en-US" dirty="0" smtClean="0">
-              <a:solidFill>
-                <a:schemeClr val="bg1"/>
-              </a:solidFill>
-            </a:endParaRPr>
-          </a:p>
-          <a:p>
-            <a:r>
-              <a:rPr lang="en-US" dirty="0" err="1" smtClean="0">
-                <a:solidFill>
-                  <a:schemeClr val="bg1"/>
-                </a:solidFill>
-              </a:rPr>
-              <a:t>Bộ</a:t>
-            </a:r>
-            <a:r>
-              <a:rPr lang="en-US" dirty="0" smtClean="0">
-                <a:solidFill>
-                  <a:schemeClr val="bg1"/>
-                </a:solidFill>
-              </a:rPr>
-              <a:t> </a:t>
-            </a:r>
-            <a:r>
-              <a:rPr lang="en-US" dirty="0" err="1" smtClean="0">
-                <a:solidFill>
-                  <a:schemeClr val="bg1"/>
-                </a:solidFill>
-              </a:rPr>
-              <a:t>phận</a:t>
-            </a:r>
-            <a:r>
-              <a:rPr lang="en-US" dirty="0" smtClean="0">
-                <a:solidFill>
-                  <a:schemeClr val="bg1"/>
-                </a:solidFill>
-              </a:rPr>
-              <a:t>: </a:t>
-            </a:r>
-            <a:r>
-              <a:rPr lang="en-US" dirty="0" err="1" smtClean="0">
-                <a:solidFill>
-                  <a:schemeClr val="bg1"/>
-                </a:solidFill>
+                <a:latin typeface="Segoe UI Black" panose="020B0A02040204020203" pitchFamily="34" charset="0"/>
+                <a:ea typeface="Segoe UI Black" panose="020B0A02040204020203" pitchFamily="34" charset="0"/>
               </a:rPr>
               <a:t>Indruino</a:t>
             </a:r>
@@ -3873,6 +3781,67 @@
               <a:solidFill>
                 <a:schemeClr val="bg1"/>
               </a:solidFill>
+              <a:latin typeface="Segoe UI Black" panose="020B0A02040204020203" pitchFamily="34" charset="0"/>
+              <a:ea typeface="Segoe UI Black" panose="020B0A02040204020203" pitchFamily="34" charset="0"/>
+            </a:endParaRPr>
+          </a:p>
+          <a:p>
+            <a:r>
+              <a:rPr lang="en-US" dirty="0" err="1">
+                <a:solidFill>
+                  <a:schemeClr val="bg1"/>
+                </a:solidFill>
+                <a:latin typeface="Segoe UI Black" panose="020B0A02040204020203" pitchFamily="34" charset="0"/>
+                <a:ea typeface="Segoe UI Black" panose="020B0A02040204020203" pitchFamily="34" charset="0"/>
+              </a:rPr>
+              <a:t>Bộ</a:t>
+            </a:r>
+            <a:r>
+              <a:rPr lang="en-US" dirty="0">
+                <a:solidFill>
+                  <a:schemeClr val="bg1"/>
+                </a:solidFill>
+                <a:latin typeface="Segoe UI Black" panose="020B0A02040204020203" pitchFamily="34" charset="0"/>
+                <a:ea typeface="Segoe UI Black" panose="020B0A02040204020203" pitchFamily="34" charset="0"/>
+              </a:rPr>
+              <a:t> </a:t>
+            </a:r>
+            <a:r>
+              <a:rPr lang="en-US" dirty="0" err="1">
+                <a:solidFill>
+                  <a:schemeClr val="bg1"/>
+                </a:solidFill>
+                <a:latin typeface="Segoe UI Black" panose="020B0A02040204020203" pitchFamily="34" charset="0"/>
+                <a:ea typeface="Segoe UI Black" panose="020B0A02040204020203" pitchFamily="34" charset="0"/>
+              </a:rPr>
+              <a:t>phận</a:t>
+            </a:r>
+            <a:r>
+              <a:rPr lang="en-US" dirty="0">
+                <a:solidFill>
+                  <a:schemeClr val="bg1"/>
+                </a:solidFill>
+                <a:latin typeface="Segoe UI Black" panose="020B0A02040204020203" pitchFamily="34" charset="0"/>
+                <a:ea typeface="Segoe UI Black" panose="020B0A02040204020203" pitchFamily="34" charset="0"/>
+              </a:rPr>
+              <a:t>: </a:t>
+            </a:r>
+            <a:r>
+              <a:rPr lang="en-US" dirty="0" err="1">
+                <a:solidFill>
+                  <a:schemeClr val="bg1"/>
+                </a:solidFill>
+                <a:latin typeface="Segoe UI Black" panose="020B0A02040204020203" pitchFamily="34" charset="0"/>
+                <a:ea typeface="Segoe UI Black" panose="020B0A02040204020203" pitchFamily="34" charset="0"/>
+              </a:rPr>
+              <a:t>Indruino</a:t>
+            </a:r>
+            <a:endParaRPr lang="en-US" dirty="0">
+              <a:solidFill>
+                <a:schemeClr val="bg1"/>
+              </a:solidFill>
+              <a:latin typeface="Segoe UI Black" panose="020B0A02040204020203" pitchFamily="34" charset="0"/>
+              <a:ea typeface="Segoe UI Black" panose="020B0A02040204020203" pitchFamily="34" charset="0"/>
             </a:endParaRPr>
           </a:p>
         </p:txBody>
@@ -3930,13 +3899,6 @@
   <p:clrMapOvr>
     <a:masterClrMapping/>
   </p:clrMapOvr>
-  <p:timing>
-    <p:tnLst>
-      <p:par>
-        <p:cTn id="1" dur="indefinite" restart="never" nodeType="tmRoot"/>
-      </p:par>
-    </p:tnLst>
-  </p:timing>
 </p:sldLayout>
 </file>
 
@@ -3984,10 +3946,9 @@
           </a:lstStyle>
           <a:p>
             <a:r>
-              <a:rPr lang="en-US" dirty="0" smtClean="0"/>
+              <a:rPr lang="en-US" dirty="0"/>
               <a:t>Title here</a:t>
             </a:r>
-            <a:endParaRPr lang="en-US" dirty="0"/>
           </a:p>
         </p:txBody>
       </p:sp>
@@ -4051,7 +4012,7 @@
           </a:lstStyle>
           <a:p>
             <a:r>
-              <a:rPr lang="en-US" dirty="0" smtClean="0"/>
+              <a:rPr lang="en-US" dirty="0"/>
               <a:t>Subtitle here</a:t>
             </a:r>
           </a:p>
@@ -4344,7 +4305,7 @@
           <a:p>
             <a:pPr lvl="0"/>
             <a:r>
-              <a:rPr lang="en-US" dirty="0" smtClean="0"/>
+              <a:rPr lang="en-US" dirty="0"/>
               <a:t>Content Here</a:t>
             </a:r>
           </a:p>
@@ -4360,13 +4321,6 @@
   <p:clrMapOvr>
     <a:masterClrMapping/>
   </p:clrMapOvr>
-  <p:timing>
-    <p:tnLst>
-      <p:par>
-        <p:cTn id="1" dur="indefinite" restart="never" nodeType="tmRoot"/>
-      </p:par>
-    </p:tnLst>
-  </p:timing>
 </p:sldLayout>
 </file>
 
@@ -4414,10 +4368,9 @@
           </a:lstStyle>
           <a:p>
             <a:r>
-              <a:rPr lang="en-US" dirty="0" smtClean="0"/>
+              <a:rPr lang="en-US" dirty="0"/>
               <a:t>Title here</a:t>
             </a:r>
-            <a:endParaRPr lang="en-US" dirty="0"/>
           </a:p>
         </p:txBody>
       </p:sp>
@@ -4481,7 +4434,7 @@
           </a:lstStyle>
           <a:p>
             <a:r>
-              <a:rPr lang="en-US" dirty="0" smtClean="0"/>
+              <a:rPr lang="en-US" dirty="0"/>
               <a:t>Subtitle here</a:t>
             </a:r>
           </a:p>
@@ -4713,7 +4666,7 @@
           <a:p>
             <a:pPr lvl="0"/>
             <a:r>
-              <a:rPr lang="en-US" dirty="0" smtClean="0"/>
+              <a:rPr lang="en-US" dirty="0"/>
               <a:t>Content Here</a:t>
             </a:r>
           </a:p>
@@ -4778,7 +4731,7 @@
           <a:p>
             <a:pPr lvl="0"/>
             <a:r>
-              <a:rPr lang="en-US" dirty="0" smtClean="0"/>
+              <a:rPr lang="en-US" dirty="0"/>
               <a:t>Content Here</a:t>
             </a:r>
           </a:p>
@@ -4843,7 +4796,7 @@
           <a:p>
             <a:pPr lvl="0"/>
             <a:r>
-              <a:rPr lang="en-US" dirty="0" smtClean="0"/>
+              <a:rPr lang="en-US" dirty="0"/>
               <a:t>Content Here</a:t>
             </a:r>
           </a:p>
@@ -4859,13 +4812,6 @@
   <p:clrMapOvr>
     <a:masterClrMapping/>
   </p:clrMapOvr>
-  <p:timing>
-    <p:tnLst>
-      <p:par>
-        <p:cTn id="1" dur="indefinite" restart="never" nodeType="tmRoot"/>
-      </p:par>
-    </p:tnLst>
-  </p:timing>
 </p:sldLayout>
 </file>
 
@@ -5035,10 +4981,9 @@
           </a:lstStyle>
           <a:p>
             <a:r>
-              <a:rPr lang="en-US" dirty="0" smtClean="0"/>
+              <a:rPr lang="en-US" dirty="0"/>
               <a:t>Title here</a:t>
             </a:r>
-            <a:endParaRPr lang="en-US" dirty="0"/>
           </a:p>
         </p:txBody>
       </p:sp>
@@ -5102,7 +5047,7 @@
           </a:lstStyle>
           <a:p>
             <a:r>
-              <a:rPr lang="en-US" dirty="0" smtClean="0"/>
+              <a:rPr lang="en-US" dirty="0"/>
               <a:t>Subtitle here</a:t>
             </a:r>
           </a:p>
@@ -5334,7 +5279,7 @@
           <a:p>
             <a:pPr lvl="0"/>
             <a:r>
-              <a:rPr lang="en-US" dirty="0" smtClean="0"/>
+              <a:rPr lang="en-US" dirty="0"/>
               <a:t>Content Here</a:t>
             </a:r>
           </a:p>
@@ -5350,13 +5295,6 @@
   <p:clrMapOvr>
     <a:masterClrMapping/>
   </p:clrMapOvr>
-  <p:timing>
-    <p:tnLst>
-      <p:par>
-        <p:cTn id="1" dur="indefinite" restart="never" nodeType="tmRoot"/>
-      </p:par>
-    </p:tnLst>
-  </p:timing>
 </p:sldLayout>
 </file>
 
@@ -5468,10 +5406,9 @@
           </a:lstStyle>
           <a:p>
             <a:r>
-              <a:rPr lang="en-US" dirty="0" smtClean="0"/>
+              <a:rPr lang="en-US" dirty="0"/>
               <a:t>Thanks you !</a:t>
             </a:r>
-            <a:endParaRPr lang="en-US" dirty="0"/>
           </a:p>
         </p:txBody>
       </p:sp>
@@ -5504,7 +5441,7 @@
           </a:lstStyle>
           <a:p>
             <a:r>
-              <a:rPr lang="en-US" smtClean="0"/>
+              <a:rPr lang="en-US"/>
               <a:t>www.indruino.com</a:t>
             </a:r>
             <a:endParaRPr lang="en-US" dirty="0"/>
@@ -5728,89 +5665,52 @@
           </a:lstStyle>
           <a:p>
             <a:r>
-              <a:rPr lang="en-US" dirty="0" err="1" smtClean="0">
+              <a:rPr lang="en-US" dirty="0" err="1">
                 <a:solidFill>
                   <a:schemeClr val="bg1"/>
                 </a:solidFill>
+                <a:latin typeface="Segoe UI Black" panose="020B0A02040204020203" pitchFamily="34" charset="0"/>
+                <a:ea typeface="Segoe UI Black" panose="020B0A02040204020203" pitchFamily="34" charset="0"/>
               </a:rPr>
               <a:t>Diễn</a:t>
             </a:r>
             <a:r>
-              <a:rPr lang="en-US" dirty="0" smtClean="0">
+              <a:rPr lang="en-US" dirty="0">
                 <a:solidFill>
                   <a:schemeClr val="bg1"/>
                 </a:solidFill>
+                <a:latin typeface="Segoe UI Black" panose="020B0A02040204020203" pitchFamily="34" charset="0"/>
+                <a:ea typeface="Segoe UI Black" panose="020B0A02040204020203" pitchFamily="34" charset="0"/>
               </a:rPr>
               <a:t> </a:t>
             </a:r>
             <a:r>
-              <a:rPr lang="en-US" dirty="0" err="1" smtClean="0">
+              <a:rPr lang="en-US" dirty="0" err="1">
                 <a:solidFill>
                   <a:schemeClr val="bg1"/>
                 </a:solidFill>
+                <a:latin typeface="Segoe UI Black" panose="020B0A02040204020203" pitchFamily="34" charset="0"/>
+                <a:ea typeface="Segoe UI Black" panose="020B0A02040204020203" pitchFamily="34" charset="0"/>
               </a:rPr>
               <a:t>giả</a:t>
             </a:r>
             <a:r>
-              <a:rPr lang="en-US" dirty="0" smtClean="0">
+              <a:rPr lang="en-US" dirty="0">
                 <a:solidFill>
                   <a:schemeClr val="bg1"/>
                 </a:solidFill>
+                <a:latin typeface="Segoe UI Black" panose="020B0A02040204020203" pitchFamily="34" charset="0"/>
+                <a:ea typeface="Segoe UI Black" panose="020B0A02040204020203" pitchFamily="34" charset="0"/>
               </a:rPr>
               <a:t>: </a:t>
             </a:r>
             <a:r>
-              <a:rPr lang="en-US" dirty="0" err="1" smtClean="0">
+              <a:rPr lang="en-US" dirty="0" err="1">
                 <a:solidFill>
                   <a:schemeClr val="bg1"/>
                 </a:solidFill>
-              </a:rPr>
-              <a:t>Indruino</a:t>
-            </a:r>
-            <a:endParaRPr lang="en-US" dirty="0" smtClean="0">
-              <a:solidFill>
-                <a:schemeClr val="bg1"/>
-              </a:solidFill>
-            </a:endParaRPr>
-          </a:p>
-          <a:p>
-            <a:r>
-              <a:rPr lang="en-US" dirty="0" err="1" smtClean="0">
-                <a:solidFill>
-                  <a:schemeClr val="bg1"/>
-                </a:solidFill>
-              </a:rPr>
-              <a:t>Bộ</a:t>
-            </a:r>
-            <a:r>
-              <a:rPr lang="en-US" dirty="0" smtClean="0">
-                <a:solidFill>
-                  <a:schemeClr val="bg1"/>
-                </a:solidFill>
-              </a:rPr>
-              <a:t> </a:t>
-            </a:r>
-            <a:r>
-              <a:rPr lang="en-US" dirty="0" err="1" smtClean="0">
-                <a:solidFill>
-                  <a:schemeClr val="bg1"/>
-                </a:solidFill>
-              </a:rPr>
-              <a:t>phận</a:t>
-            </a:r>
-            <a:r>
-              <a:rPr lang="en-US" dirty="0" smtClean="0">
-                <a:solidFill>
-                  <a:schemeClr val="bg1"/>
-                </a:solidFill>
-              </a:rPr>
-              <a:t>: </a:t>
-            </a:r>
-            <a:r>
-              <a:rPr lang="en-US" dirty="0" err="1" smtClean="0">
-                <a:solidFill>
-                  <a:schemeClr val="bg1"/>
-                </a:solidFill>
+                <a:latin typeface="Segoe UI Black" panose="020B0A02040204020203" pitchFamily="34" charset="0"/>
+                <a:ea typeface="Segoe UI Black" panose="020B0A02040204020203" pitchFamily="34" charset="0"/>
               </a:rPr>
               <a:t>Indruino</a:t>
             </a:r>
@@ -5818,6 +5718,67 @@
               <a:solidFill>
                 <a:schemeClr val="bg1"/>
               </a:solidFill>
+              <a:latin typeface="Segoe UI Black" panose="020B0A02040204020203" pitchFamily="34" charset="0"/>
+              <a:ea typeface="Segoe UI Black" panose="020B0A02040204020203" pitchFamily="34" charset="0"/>
+            </a:endParaRPr>
+          </a:p>
+          <a:p>
+            <a:r>
+              <a:rPr lang="en-US" dirty="0" err="1">
+                <a:solidFill>
+                  <a:schemeClr val="bg1"/>
+                </a:solidFill>
+                <a:latin typeface="Segoe UI Black" panose="020B0A02040204020203" pitchFamily="34" charset="0"/>
+                <a:ea typeface="Segoe UI Black" panose="020B0A02040204020203" pitchFamily="34" charset="0"/>
+              </a:rPr>
+              <a:t>Bộ</a:t>
+            </a:r>
+            <a:r>
+              <a:rPr lang="en-US" dirty="0">
+                <a:solidFill>
+                  <a:schemeClr val="bg1"/>
+                </a:solidFill>
+                <a:latin typeface="Segoe UI Black" panose="020B0A02040204020203" pitchFamily="34" charset="0"/>
+                <a:ea typeface="Segoe UI Black" panose="020B0A02040204020203" pitchFamily="34" charset="0"/>
+              </a:rPr>
+              <a:t> </a:t>
+            </a:r>
+            <a:r>
+              <a:rPr lang="en-US" dirty="0" err="1">
+                <a:solidFill>
+                  <a:schemeClr val="bg1"/>
+                </a:solidFill>
+                <a:latin typeface="Segoe UI Black" panose="020B0A02040204020203" pitchFamily="34" charset="0"/>
+                <a:ea typeface="Segoe UI Black" panose="020B0A02040204020203" pitchFamily="34" charset="0"/>
+              </a:rPr>
+              <a:t>phận</a:t>
+            </a:r>
+            <a:r>
+              <a:rPr lang="en-US" dirty="0">
+                <a:solidFill>
+                  <a:schemeClr val="bg1"/>
+                </a:solidFill>
+                <a:latin typeface="Segoe UI Black" panose="020B0A02040204020203" pitchFamily="34" charset="0"/>
+                <a:ea typeface="Segoe UI Black" panose="020B0A02040204020203" pitchFamily="34" charset="0"/>
+              </a:rPr>
+              <a:t>: </a:t>
+            </a:r>
+            <a:r>
+              <a:rPr lang="en-US" dirty="0" err="1">
+                <a:solidFill>
+                  <a:schemeClr val="bg1"/>
+                </a:solidFill>
+                <a:latin typeface="Segoe UI Black" panose="020B0A02040204020203" pitchFamily="34" charset="0"/>
+                <a:ea typeface="Segoe UI Black" panose="020B0A02040204020203" pitchFamily="34" charset="0"/>
+              </a:rPr>
+              <a:t>Indruino</a:t>
+            </a:r>
+            <a:endParaRPr lang="en-US" dirty="0">
+              <a:solidFill>
+                <a:schemeClr val="bg1"/>
+              </a:solidFill>
+              <a:latin typeface="Segoe UI Black" panose="020B0A02040204020203" pitchFamily="34" charset="0"/>
+              <a:ea typeface="Segoe UI Black" panose="020B0A02040204020203" pitchFamily="34" charset="0"/>
             </a:endParaRPr>
           </a:p>
         </p:txBody>
@@ -5875,13 +5836,6 @@
   <p:clrMapOvr>
     <a:masterClrMapping/>
   </p:clrMapOvr>
-  <p:timing>
-    <p:tnLst>
-      <p:par>
-        <p:cTn id="1" dur="indefinite" restart="never" nodeType="tmRoot"/>
-      </p:par>
-    </p:tnLst>
-  </p:timing>
 </p:sldLayout>
 </file>
 
@@ -5936,10 +5890,9 @@
           <a:lstStyle/>
           <a:p>
             <a:r>
-              <a:rPr lang="en-US" smtClean="0"/>
+              <a:rPr lang="en-US" dirty="0"/>
               <a:t>Click to edit Master title style</a:t>
             </a:r>
-            <a:endParaRPr lang="en-US"/>
           </a:p>
         </p:txBody>
       </p:sp>
@@ -5970,38 +5923,37 @@
           <a:p>
             <a:pPr lvl="0"/>
             <a:r>
-              <a:rPr lang="en-US" smtClean="0"/>
+              <a:rPr lang="en-US" dirty="0"/>
               <a:t>Edit Master text styles</a:t>
             </a:r>
           </a:p>
           <a:p>
             <a:pPr lvl="1"/>
             <a:r>
-              <a:rPr lang="en-US" smtClean="0"/>
+              <a:rPr lang="en-US" dirty="0"/>
               <a:t>Second level</a:t>
             </a:r>
           </a:p>
           <a:p>
             <a:pPr lvl="2"/>
             <a:r>
-              <a:rPr lang="en-US" smtClean="0"/>
+              <a:rPr lang="en-US" dirty="0"/>
               <a:t>Third level</a:t>
             </a:r>
           </a:p>
           <a:p>
             <a:pPr lvl="3"/>
             <a:r>
-              <a:rPr lang="en-US" smtClean="0"/>
+              <a:rPr lang="en-US" dirty="0"/>
               <a:t>Fourth level</a:t>
             </a:r>
           </a:p>
           <a:p>
             <a:pPr lvl="4"/>
             <a:r>
-              <a:rPr lang="en-US" smtClean="0"/>
+              <a:rPr lang="en-US" dirty="0"/>
               <a:t>Fifth level</a:t>
             </a:r>
-            <a:endParaRPr lang="en-US"/>
           </a:p>
         </p:txBody>
       </p:sp>
@@ -6034,18 +5986,19 @@
                     <a:tint val="75000"/>
                   </a:schemeClr>
                 </a:solidFill>
-                <a:latin typeface="Roboto" panose="02000000000000000000" pitchFamily="2" charset="0"/>
-                <a:ea typeface="Roboto" panose="02000000000000000000" pitchFamily="2" charset="0"/>
-                <a:cs typeface="Roboto" panose="02000000000000000000" pitchFamily="2" charset="0"/>
+                <a:latin typeface="Segoe UI Black" panose="020B0A02040204020203" pitchFamily="34" charset="0"/>
+                <a:ea typeface="Segoe UI Black" panose="020B0A02040204020203" pitchFamily="34" charset="0"/>
+                <a:cs typeface="Segoe UI Black" panose="020B0A02040204020203" pitchFamily="34" charset="0"/>
               </a:defRPr>
             </a:lvl1pPr>
           </a:lstStyle>
           <a:p>
             <a:fld id="{6D9FEF56-C5D4-4D87-B961-211842A8ECEA}" type="datetime1">
               <a:rPr lang="en-US" smtClean="0"/>
-              <a:t>7/23/2020</a:t>
+              <a:pPr/>
+              <a:t>8/23/2020</a:t>
             </a:fld>
-            <a:endParaRPr lang="en-US"/>
+            <a:endParaRPr lang="en-US" dirty="0"/>
           </a:p>
         </p:txBody>
       </p:sp>
@@ -6078,18 +6031,17 @@
                     <a:tint val="75000"/>
                   </a:schemeClr>
                 </a:solidFill>
-                <a:latin typeface="Roboto" panose="02000000000000000000" pitchFamily="2" charset="0"/>
-                <a:ea typeface="Roboto" panose="02000000000000000000" pitchFamily="2" charset="0"/>
-                <a:cs typeface="Roboto" panose="02000000000000000000" pitchFamily="2" charset="0"/>
+                <a:latin typeface="Segoe UI Black" panose="020B0A02040204020203" pitchFamily="34" charset="0"/>
+                <a:ea typeface="Segoe UI Black" panose="020B0A02040204020203" pitchFamily="34" charset="0"/>
+                <a:cs typeface="Segoe UI Black" panose="020B0A02040204020203" pitchFamily="34" charset="0"/>
               </a:defRPr>
             </a:lvl1pPr>
           </a:lstStyle>
           <a:p>
             <a:r>
-              <a:rPr lang="en-US" smtClean="0"/>
+              <a:rPr lang="en-US" dirty="0"/>
               <a:t>www.indruino.com</a:t>
             </a:r>
-            <a:endParaRPr lang="en-US" dirty="0"/>
           </a:p>
         </p:txBody>
       </p:sp>
@@ -6122,9 +6074,9 @@
                     <a:tint val="75000"/>
                   </a:schemeClr>
                 </a:solidFill>
-                <a:latin typeface="Roboto" panose="02000000000000000000" pitchFamily="2" charset="0"/>
-                <a:ea typeface="Roboto" panose="02000000000000000000" pitchFamily="2" charset="0"/>
-                <a:cs typeface="Roboto" panose="02000000000000000000" pitchFamily="2" charset="0"/>
+                <a:latin typeface="Segoe UI Black" panose="020B0A02040204020203" pitchFamily="34" charset="0"/>
+                <a:ea typeface="Segoe UI Black" panose="020B0A02040204020203" pitchFamily="34" charset="0"/>
+                <a:cs typeface="Segoe UI Black" panose="020B0A02040204020203" pitchFamily="34" charset="0"/>
               </a:defRPr>
             </a:lvl1pPr>
           </a:lstStyle>
@@ -6134,7 +6086,7 @@
               <a:pPr/>
               <a:t>‹#›</a:t>
             </a:fld>
-            <a:endParaRPr lang="en-US"/>
+            <a:endParaRPr lang="en-US" dirty="0"/>
           </a:p>
         </p:txBody>
       </p:sp>
@@ -6154,13 +6106,6 @@
     <p:sldLayoutId id="2147483680" r:id="rId5"/>
     <p:sldLayoutId id="2147483663" r:id="rId6"/>
   </p:sldLayoutIdLst>
-  <p:timing>
-    <p:tnLst>
-      <p:par>
-        <p:cTn id="1" dur="indefinite" restart="never" nodeType="tmRoot"/>
-      </p:par>
-    </p:tnLst>
-  </p:timing>
   <p:hf sldNum="0" hdr="0" dt="0"/>
   <p:txStyles>
     <p:titleStyle>
@@ -6176,9 +6121,9 @@
           <a:solidFill>
             <a:schemeClr val="tx1"/>
           </a:solidFill>
-          <a:latin typeface="Roboto" panose="02000000000000000000" pitchFamily="2" charset="0"/>
-          <a:ea typeface="Roboto" panose="02000000000000000000" pitchFamily="2" charset="0"/>
-          <a:cs typeface="Roboto" panose="02000000000000000000" pitchFamily="2" charset="0"/>
+          <a:latin typeface="Segoe UI Black" panose="020B0A02040204020203" pitchFamily="34" charset="0"/>
+          <a:ea typeface="Segoe UI Black" panose="020B0A02040204020203" pitchFamily="34" charset="0"/>
+          <a:cs typeface="Segoe UI Black" panose="020B0A02040204020203" pitchFamily="34" charset="0"/>
         </a:defRPr>
       </a:lvl1pPr>
     </p:titleStyle>
@@ -6196,9 +6141,9 @@
           <a:solidFill>
             <a:schemeClr val="tx1"/>
           </a:solidFill>
-          <a:latin typeface="Roboto" panose="02000000000000000000" pitchFamily="2" charset="0"/>
-          <a:ea typeface="Roboto" panose="02000000000000000000" pitchFamily="2" charset="0"/>
-          <a:cs typeface="Roboto" panose="02000000000000000000" pitchFamily="2" charset="0"/>
+          <a:latin typeface="Segoe UI Black" panose="020B0A02040204020203" pitchFamily="34" charset="0"/>
+          <a:ea typeface="Segoe UI Black" panose="020B0A02040204020203" pitchFamily="34" charset="0"/>
+          <a:cs typeface="Segoe UI Black" panose="020B0A02040204020203" pitchFamily="34" charset="0"/>
         </a:defRPr>
       </a:lvl1pPr>
       <a:lvl2pPr marL="685800" indent="-228600" algn="l" defTabSz="914400" rtl="0" eaLnBrk="1" latinLnBrk="0" hangingPunct="1">
@@ -6214,9 +6159,9 @@
           <a:solidFill>
             <a:schemeClr val="tx1"/>
           </a:solidFill>
-          <a:latin typeface="Roboto" panose="02000000000000000000" pitchFamily="2" charset="0"/>
-          <a:ea typeface="Roboto" panose="02000000000000000000" pitchFamily="2" charset="0"/>
-          <a:cs typeface="Roboto" panose="02000000000000000000" pitchFamily="2" charset="0"/>
+          <a:latin typeface="Segoe UI Black" panose="020B0A02040204020203" pitchFamily="34" charset="0"/>
+          <a:ea typeface="Segoe UI Black" panose="020B0A02040204020203" pitchFamily="34" charset="0"/>
+          <a:cs typeface="Segoe UI Black" panose="020B0A02040204020203" pitchFamily="34" charset="0"/>
         </a:defRPr>
       </a:lvl2pPr>
       <a:lvl3pPr marL="1143000" indent="-228600" algn="l" defTabSz="914400" rtl="0" eaLnBrk="1" latinLnBrk="0" hangingPunct="1">
@@ -6232,9 +6177,9 @@
           <a:solidFill>
             <a:schemeClr val="tx1"/>
           </a:solidFill>
-          <a:latin typeface="Roboto" panose="02000000000000000000" pitchFamily="2" charset="0"/>
-          <a:ea typeface="Roboto" panose="02000000000000000000" pitchFamily="2" charset="0"/>
-          <a:cs typeface="Roboto" panose="02000000000000000000" pitchFamily="2" charset="0"/>
+          <a:latin typeface="Segoe UI Black" panose="020B0A02040204020203" pitchFamily="34" charset="0"/>
+          <a:ea typeface="Segoe UI Black" panose="020B0A02040204020203" pitchFamily="34" charset="0"/>
+          <a:cs typeface="Segoe UI Black" panose="020B0A02040204020203" pitchFamily="34" charset="0"/>
         </a:defRPr>
       </a:lvl3pPr>
       <a:lvl4pPr marL="1600200" indent="-228600" algn="l" defTabSz="914400" rtl="0" eaLnBrk="1" latinLnBrk="0" hangingPunct="1">
@@ -6250,9 +6195,9 @@
           <a:solidFill>
             <a:schemeClr val="tx1"/>
           </a:solidFill>
-          <a:latin typeface="Roboto" panose="02000000000000000000" pitchFamily="2" charset="0"/>
-          <a:ea typeface="Roboto" panose="02000000000000000000" pitchFamily="2" charset="0"/>
-          <a:cs typeface="Roboto" panose="02000000000000000000" pitchFamily="2" charset="0"/>
+          <a:latin typeface="Segoe UI Black" panose="020B0A02040204020203" pitchFamily="34" charset="0"/>
+          <a:ea typeface="Segoe UI Black" panose="020B0A02040204020203" pitchFamily="34" charset="0"/>
+          <a:cs typeface="Segoe UI Black" panose="020B0A02040204020203" pitchFamily="34" charset="0"/>
         </a:defRPr>
       </a:lvl4pPr>
       <a:lvl5pPr marL="2057400" indent="-228600" algn="l" defTabSz="914400" rtl="0" eaLnBrk="1" latinLnBrk="0" hangingPunct="1">
@@ -6268,9 +6213,9 @@
           <a:solidFill>
             <a:schemeClr val="tx1"/>
           </a:solidFill>
-          <a:latin typeface="Roboto" panose="02000000000000000000" pitchFamily="2" charset="0"/>
-          <a:ea typeface="Roboto" panose="02000000000000000000" pitchFamily="2" charset="0"/>
-          <a:cs typeface="Roboto" panose="02000000000000000000" pitchFamily="2" charset="0"/>
+          <a:latin typeface="Segoe UI Black" panose="020B0A02040204020203" pitchFamily="34" charset="0"/>
+          <a:ea typeface="Segoe UI Black" panose="020B0A02040204020203" pitchFamily="34" charset="0"/>
+          <a:cs typeface="Segoe UI Black" panose="020B0A02040204020203" pitchFamily="34" charset="0"/>
         </a:defRPr>
       </a:lvl5pPr>
       <a:lvl6pPr marL="2514600" indent="-228600" algn="l" defTabSz="914400" rtl="0" eaLnBrk="1" latinLnBrk="0" hangingPunct="1">
@@ -6472,13 +6417,6 @@
   <p:clrMapOvr>
     <a:masterClrMapping/>
   </p:clrMapOvr>
-  <p:timing>
-    <p:tnLst>
-      <p:par>
-        <p:cTn id="1" dur="indefinite" restart="never" nodeType="tmRoot"/>
-      </p:par>
-    </p:tnLst>
-  </p:timing>
 </p:sld>
 </file>
 
@@ -6515,14 +6453,9 @@
           <a:lstStyle/>
           <a:p>
             <a:r>
-              <a:rPr lang="en-US" smtClean="0"/>
-              <a:t>JSON </a:t>
-            </a:r>
-            <a:r>
-              <a:rPr lang="en-US" smtClean="0"/>
-              <a:t>String</a:t>
-            </a:r>
-            <a:endParaRPr lang="en-US"/>
+              <a:rPr lang="en-US" sz="4800" dirty="0"/>
+              <a:t>JSON String</a:t>
+            </a:r>
           </a:p>
         </p:txBody>
       </p:sp>
@@ -6542,7 +6475,7 @@
           <a:lstStyle/>
           <a:p>
             <a:r>
-              <a:rPr lang="en-US" smtClean="0"/>
+              <a:rPr lang="en-US"/>
               <a:t>www.indruino.com</a:t>
             </a:r>
             <a:endParaRPr lang="en-US" dirty="0"/>
@@ -6562,30 +6495,29 @@
         <p:spPr/>
         <p:txBody>
           <a:bodyPr>
-            <a:normAutofit fontScale="77500" lnSpcReduction="20000"/>
+            <a:normAutofit fontScale="70000" lnSpcReduction="20000"/>
           </a:bodyPr>
           <a:lstStyle/>
           <a:p>
             <a:pPr marL="3406775" algn="l"/>
             <a:r>
-              <a:rPr lang="en-US" smtClean="0"/>
+              <a:rPr lang="en-US"/>
               <a:t>- Khái niệm, cấu trúc.</a:t>
             </a:r>
           </a:p>
           <a:p>
             <a:pPr marL="3406775" algn="l"/>
             <a:r>
-              <a:rPr lang="en-US" smtClean="0"/>
+              <a:rPr lang="en-US"/>
               <a:t>- Thư viện encode, decode.</a:t>
             </a:r>
           </a:p>
           <a:p>
             <a:pPr marL="3406775" algn="l"/>
             <a:r>
-              <a:rPr lang="en-US" smtClean="0"/>
+              <a:rPr lang="en-US"/>
               <a:t>- Các hàm hỗ trợ.</a:t>
             </a:r>
-            <a:endParaRPr lang="en-US"/>
           </a:p>
         </p:txBody>
       </p:sp>
@@ -6599,13 +6531,6 @@
   <p:clrMapOvr>
     <a:masterClrMapping/>
   </p:clrMapOvr>
-  <p:timing>
-    <p:tnLst>
-      <p:par>
-        <p:cTn id="1" dur="indefinite" restart="never" nodeType="tmRoot"/>
-      </p:par>
-    </p:tnLst>
-  </p:timing>
 </p:sld>
 </file>
 
@@ -6642,14 +6567,56 @@
           <a:lstStyle/>
           <a:p>
             <a:r>
-              <a:rPr lang="en-US" smtClean="0">
-                <a:latin typeface="Arial" panose="020B0604020202020204" pitchFamily="34" charset="0"/>
+              <a:rPr lang="en-US" sz="3000" dirty="0" err="1">
+                <a:latin typeface="Segoe UI Black" panose="020B0A02040204020203" pitchFamily="34" charset="0"/>
                 <a:cs typeface="Arial" panose="020B0604020202020204" pitchFamily="34" charset="0"/>
               </a:rPr>
-              <a:t>Khái niệm – Cấu trúc</a:t>
-            </a:r>
-            <a:endParaRPr lang="en-US">
-              <a:latin typeface="Arial" panose="020B0604020202020204" pitchFamily="34" charset="0"/>
+              <a:t>Khái</a:t>
+            </a:r>
+            <a:r>
+              <a:rPr lang="en-US" sz="3000" dirty="0">
+                <a:latin typeface="Segoe UI Black" panose="020B0A02040204020203" pitchFamily="34" charset="0"/>
+                <a:cs typeface="Arial" panose="020B0604020202020204" pitchFamily="34" charset="0"/>
+              </a:rPr>
+              <a:t> </a:t>
+            </a:r>
+            <a:r>
+              <a:rPr lang="en-US" sz="3000" dirty="0" err="1">
+                <a:latin typeface="Segoe UI Black" panose="020B0A02040204020203" pitchFamily="34" charset="0"/>
+                <a:cs typeface="Arial" panose="020B0604020202020204" pitchFamily="34" charset="0"/>
+              </a:rPr>
+              <a:t>niệm</a:t>
+            </a:r>
+            <a:r>
+              <a:rPr lang="en-US" sz="3000" dirty="0">
+                <a:latin typeface="Segoe UI Black" panose="020B0A02040204020203" pitchFamily="34" charset="0"/>
+                <a:cs typeface="Arial" panose="020B0604020202020204" pitchFamily="34" charset="0"/>
+              </a:rPr>
+              <a:t> – </a:t>
+            </a:r>
+            <a:r>
+              <a:rPr lang="en-US" sz="3000" dirty="0" err="1">
+                <a:latin typeface="Segoe UI Black" panose="020B0A02040204020203" pitchFamily="34" charset="0"/>
+                <a:cs typeface="Arial" panose="020B0604020202020204" pitchFamily="34" charset="0"/>
+              </a:rPr>
+              <a:t>Cấu</a:t>
+            </a:r>
+            <a:r>
+              <a:rPr lang="en-US" sz="3000" dirty="0">
+                <a:latin typeface="Segoe UI Black" panose="020B0A02040204020203" pitchFamily="34" charset="0"/>
+                <a:cs typeface="Arial" panose="020B0604020202020204" pitchFamily="34" charset="0"/>
+              </a:rPr>
+              <a:t> </a:t>
+            </a:r>
+            <a:r>
+              <a:rPr lang="en-US" sz="3000" dirty="0" err="1">
+                <a:latin typeface="Segoe UI Black" panose="020B0A02040204020203" pitchFamily="34" charset="0"/>
+                <a:cs typeface="Arial" panose="020B0604020202020204" pitchFamily="34" charset="0"/>
+              </a:rPr>
+              <a:t>trúc</a:t>
+            </a:r>
+            <a:endParaRPr lang="en-US" sz="3000" dirty="0">
+              <a:latin typeface="Segoe UI Black" panose="020B0A02040204020203" pitchFamily="34" charset="0"/>
               <a:cs typeface="Arial" panose="020B0604020202020204" pitchFamily="34" charset="0"/>
             </a:endParaRPr>
           </a:p>
@@ -6704,10 +6671,9 @@
           <a:lstStyle/>
           <a:p>
             <a:r>
-              <a:rPr lang="en-US" smtClean="0"/>
+              <a:rPr lang="en-US"/>
               <a:t> </a:t>
             </a:r>
-            <a:endParaRPr lang="en-US"/>
           </a:p>
         </p:txBody>
       </p:sp>
@@ -6767,13 +6733,6 @@
   <p:clrMapOvr>
     <a:masterClrMapping/>
   </p:clrMapOvr>
-  <p:timing>
-    <p:tnLst>
-      <p:par>
-        <p:cTn id="1" dur="indefinite" restart="never" nodeType="tmRoot"/>
-      </p:par>
-    </p:tnLst>
-  </p:timing>
 </p:sld>
 </file>
 
@@ -6815,68 +6774,236 @@
           <a:lstStyle/>
           <a:p>
             <a:r>
-              <a:rPr lang="en-US"/>
-              <a:t>DynamicJsonDocument &lt;name</a:t>
-            </a:r>
-            <a:r>
-              <a:rPr lang="en-US" smtClean="0"/>
-              <a:t>&gt;(size);</a:t>
-            </a:r>
-          </a:p>
-          <a:p>
-            <a:r>
-              <a:rPr lang="en-US" smtClean="0"/>
-              <a:t>StaticJsonDocument &lt;size&gt; name;</a:t>
+              <a:rPr lang="en-US" dirty="0" err="1"/>
+              <a:t>DynamicJsonDocument</a:t>
+            </a:r>
+            <a:r>
+              <a:rPr lang="en-US" dirty="0"/>
+              <a:t> &lt;name&gt;(size);</a:t>
+            </a:r>
+          </a:p>
+          <a:p>
+            <a:r>
+              <a:rPr lang="en-US" dirty="0" err="1"/>
+              <a:t>StaticJsonDocument</a:t>
+            </a:r>
+            <a:r>
+              <a:rPr lang="en-US" dirty="0"/>
+              <a:t> &lt;size&gt; name;</a:t>
             </a:r>
           </a:p>
           <a:p>
             <a:pPr marL="804863"/>
             <a:r>
-              <a:rPr lang="en-US" sz="1100" b="1" smtClean="0">
-                <a:latin typeface="Arial" panose="020B0604020202020204" pitchFamily="34" charset="0"/>
+              <a:rPr lang="en-US" sz="1100" b="1" dirty="0" err="1">
+                <a:latin typeface="Segoe UI Black" panose="020B0A02040204020203" pitchFamily="34" charset="0"/>
                 <a:cs typeface="Arial" panose="020B0604020202020204" pitchFamily="34" charset="0"/>
               </a:rPr>
-              <a:t>Hàm khai báo đối tượng Json</a:t>
-            </a:r>
-            <a:endParaRPr lang="en-US" sz="1100" b="1" smtClean="0">
-              <a:latin typeface="Arial" panose="020B0604020202020204" pitchFamily="34" charset="0"/>
+              <a:t>Hàm</a:t>
+            </a:r>
+            <a:r>
+              <a:rPr lang="en-US" sz="1100" b="1" dirty="0">
+                <a:latin typeface="Segoe UI Black" panose="020B0A02040204020203" pitchFamily="34" charset="0"/>
+                <a:cs typeface="Arial" panose="020B0604020202020204" pitchFamily="34" charset="0"/>
+              </a:rPr>
+              <a:t> </a:t>
+            </a:r>
+            <a:r>
+              <a:rPr lang="en-US" sz="1100" b="1" dirty="0" err="1">
+                <a:latin typeface="Segoe UI Black" panose="020B0A02040204020203" pitchFamily="34" charset="0"/>
+                <a:cs typeface="Arial" panose="020B0604020202020204" pitchFamily="34" charset="0"/>
+              </a:rPr>
+              <a:t>khai</a:t>
+            </a:r>
+            <a:r>
+              <a:rPr lang="en-US" sz="1100" b="1" dirty="0">
+                <a:latin typeface="Segoe UI Black" panose="020B0A02040204020203" pitchFamily="34" charset="0"/>
+                <a:cs typeface="Arial" panose="020B0604020202020204" pitchFamily="34" charset="0"/>
+              </a:rPr>
+              <a:t> </a:t>
+            </a:r>
+            <a:r>
+              <a:rPr lang="en-US" sz="1100" b="1" dirty="0" err="1">
+                <a:latin typeface="Segoe UI Black" panose="020B0A02040204020203" pitchFamily="34" charset="0"/>
+                <a:cs typeface="Arial" panose="020B0604020202020204" pitchFamily="34" charset="0"/>
+              </a:rPr>
+              <a:t>báo</a:t>
+            </a:r>
+            <a:r>
+              <a:rPr lang="en-US" sz="1100" b="1" dirty="0">
+                <a:latin typeface="Segoe UI Black" panose="020B0A02040204020203" pitchFamily="34" charset="0"/>
+                <a:cs typeface="Arial" panose="020B0604020202020204" pitchFamily="34" charset="0"/>
+              </a:rPr>
+              <a:t> </a:t>
+            </a:r>
+            <a:r>
+              <a:rPr lang="en-US" sz="1100" b="1" dirty="0" err="1">
+                <a:latin typeface="Segoe UI Black" panose="020B0A02040204020203" pitchFamily="34" charset="0"/>
+                <a:cs typeface="Arial" panose="020B0604020202020204" pitchFamily="34" charset="0"/>
+              </a:rPr>
+              <a:t>đối</a:t>
+            </a:r>
+            <a:r>
+              <a:rPr lang="en-US" sz="1100" b="1" dirty="0">
+                <a:latin typeface="Segoe UI Black" panose="020B0A02040204020203" pitchFamily="34" charset="0"/>
+                <a:cs typeface="Arial" panose="020B0604020202020204" pitchFamily="34" charset="0"/>
+              </a:rPr>
+              <a:t> </a:t>
+            </a:r>
+            <a:r>
+              <a:rPr lang="en-US" sz="1100" b="1" dirty="0" err="1">
+                <a:latin typeface="Segoe UI Black" panose="020B0A02040204020203" pitchFamily="34" charset="0"/>
+                <a:cs typeface="Arial" panose="020B0604020202020204" pitchFamily="34" charset="0"/>
+              </a:rPr>
+              <a:t>tượng</a:t>
+            </a:r>
+            <a:r>
+              <a:rPr lang="en-US" sz="1100" b="1" dirty="0">
+                <a:latin typeface="Segoe UI Black" panose="020B0A02040204020203" pitchFamily="34" charset="0"/>
+                <a:cs typeface="Arial" panose="020B0604020202020204" pitchFamily="34" charset="0"/>
+              </a:rPr>
+              <a:t> Json</a:t>
+            </a:r>
+            <a:endParaRPr lang="en-US" sz="1100" b="1" dirty="0">
+              <a:latin typeface="Segoe UI Black" panose="020B0A02040204020203" pitchFamily="34" charset="0"/>
               <a:cs typeface="Arial" panose="020B0604020202020204" pitchFamily="34" charset="0"/>
               <a:hlinkClick r:id="rId2"/>
             </a:endParaRPr>
           </a:p>
           <a:p>
             <a:pPr marL="804863"/>
-            <a:endParaRPr lang="en-US" sz="1100">
+            <a:endParaRPr lang="en-US" sz="1100" dirty="0">
               <a:hlinkClick r:id="rId2"/>
             </a:endParaRPr>
           </a:p>
           <a:p>
             <a:pPr marL="804863"/>
             <a:r>
-              <a:rPr lang="en-US" sz="1100" smtClean="0">
+              <a:rPr lang="en-US" sz="1100" dirty="0">
                 <a:hlinkClick r:id="rId2"/>
               </a:rPr>
-              <a:t>https</a:t>
-            </a:r>
-            <a:r>
-              <a:rPr lang="en-US" sz="1100">
-                <a:hlinkClick r:id="rId2"/>
-              </a:rPr>
-              <a:t>://arduinojson.org/v6/assistant</a:t>
-            </a:r>
-            <a:r>
-              <a:rPr lang="en-US" sz="1100" smtClean="0">
-                <a:hlinkClick r:id="rId2"/>
-              </a:rPr>
-              <a:t>/</a:t>
-            </a:r>
-            <a:endParaRPr lang="en-US" sz="1100" smtClean="0"/>
-          </a:p>
-          <a:p>
-            <a:r>
-              <a:rPr lang="en-US" sz="1100" smtClean="0"/>
-              <a:t>Truy cập vào link trên để tính toán size cho đối tượng &lt;name&gt; (tối ưu dung lượng bộ nhớ</a:t>
-            </a:r>
+              <a:t>https://arduinojson.org/v6/assistant/</a:t>
+            </a:r>
+            <a:endParaRPr lang="en-US" sz="1100" dirty="0"/>
+          </a:p>
+          <a:p>
+            <a:r>
+              <a:rPr lang="en-US" sz="1100" dirty="0" err="1"/>
+              <a:t>Truy</a:t>
+            </a:r>
+            <a:r>
+              <a:rPr lang="en-US" sz="1100" dirty="0"/>
+              <a:t> </a:t>
+            </a:r>
+            <a:r>
+              <a:rPr lang="en-US" sz="1100" dirty="0" err="1"/>
+              <a:t>cập</a:t>
+            </a:r>
+            <a:r>
+              <a:rPr lang="en-US" sz="1100" dirty="0"/>
+              <a:t> </a:t>
+            </a:r>
+            <a:r>
+              <a:rPr lang="en-US" sz="1100" dirty="0" err="1"/>
+              <a:t>vào</a:t>
+            </a:r>
+            <a:r>
+              <a:rPr lang="en-US" sz="1100" dirty="0"/>
+              <a:t> link </a:t>
+            </a:r>
+            <a:r>
+              <a:rPr lang="en-US" sz="1100" dirty="0" err="1"/>
+              <a:t>trên</a:t>
+            </a:r>
+            <a:r>
+              <a:rPr lang="en-US" sz="1100" dirty="0"/>
+              <a:t> </a:t>
+            </a:r>
+            <a:r>
+              <a:rPr lang="en-US" sz="1100" dirty="0" err="1"/>
+              <a:t>để</a:t>
+            </a:r>
+            <a:r>
+              <a:rPr lang="en-US" sz="1100" dirty="0"/>
+              <a:t> </a:t>
+            </a:r>
+            <a:r>
+              <a:rPr lang="en-US" sz="1100" dirty="0" err="1"/>
+              <a:t>tính</a:t>
+            </a:r>
+            <a:r>
+              <a:rPr lang="en-US" sz="1100" dirty="0"/>
+              <a:t> </a:t>
+            </a:r>
+            <a:r>
+              <a:rPr lang="en-US" sz="1100" dirty="0" err="1"/>
+              <a:t>toán</a:t>
+            </a:r>
+            <a:r>
+              <a:rPr lang="en-US" sz="1100" dirty="0"/>
+              <a:t> size </a:t>
+            </a:r>
+            <a:r>
+              <a:rPr lang="en-US" sz="1100" dirty="0" err="1"/>
+              <a:t>cho</a:t>
+            </a:r>
+            <a:r>
+              <a:rPr lang="en-US" sz="1100" dirty="0"/>
+              <a:t> </a:t>
+            </a:r>
+            <a:r>
+              <a:rPr lang="en-US" sz="1100" dirty="0" err="1"/>
+              <a:t>đối</a:t>
+            </a:r>
+            <a:r>
+              <a:rPr lang="en-US" sz="1100" dirty="0"/>
+              <a:t> </a:t>
+            </a:r>
+            <a:r>
+              <a:rPr lang="en-US" sz="1100" dirty="0" err="1"/>
+              <a:t>tượng</a:t>
+            </a:r>
+            <a:r>
+              <a:rPr lang="en-US" sz="1100" dirty="0"/>
+              <a:t> &lt;name&gt; (</a:t>
+            </a:r>
+            <a:r>
+              <a:rPr lang="en-US" sz="1100" dirty="0" err="1"/>
+              <a:t>tối</a:t>
+            </a:r>
+            <a:r>
+              <a:rPr lang="en-US" sz="1100" dirty="0"/>
+              <a:t> </a:t>
+            </a:r>
+            <a:r>
+              <a:rPr lang="en-US" sz="1100" dirty="0" err="1"/>
+              <a:t>ưu</a:t>
+            </a:r>
+            <a:r>
+              <a:rPr lang="en-US" sz="1100" dirty="0"/>
+              <a:t> dung </a:t>
+            </a:r>
+            <a:r>
+              <a:rPr lang="en-US" sz="1100" dirty="0" err="1"/>
+              <a:t>lượng</a:t>
+            </a:r>
+            <a:r>
+              <a:rPr lang="en-US" sz="1100" dirty="0"/>
+              <a:t> </a:t>
+            </a:r>
+            <a:r>
+              <a:rPr lang="en-US" sz="1100" dirty="0" err="1"/>
+              <a:t>bộ</a:t>
+            </a:r>
+            <a:r>
+              <a:rPr lang="en-US" sz="1100" dirty="0"/>
+              <a:t> </a:t>
+            </a:r>
+            <a:r>
+              <a:rPr lang="en-US" sz="1100" dirty="0" err="1"/>
+              <a:t>nhớ</a:t>
+            </a:r>
+            <a:endParaRPr lang="en-US" sz="1100" dirty="0"/>
           </a:p>
           <a:p>
             <a:pPr algn="just">
@@ -6885,35 +7012,123 @@
               </a:lnSpc>
             </a:pPr>
             <a:r>
-              <a:rPr lang="en-US" sz="1100" u="sng" smtClean="0"/>
-              <a:t>Ví dụ</a:t>
-            </a:r>
-            <a:r>
-              <a:rPr lang="en-US" sz="1100" smtClean="0"/>
-              <a:t>: Nhập chuỗi như hình bên thì ta được size với ESP32 là 263</a:t>
+              <a:rPr lang="en-US" sz="1100" u="sng" dirty="0" err="1"/>
+              <a:t>Ví</a:t>
+            </a:r>
+            <a:r>
+              <a:rPr lang="en-US" sz="1100" u="sng" dirty="0"/>
+              <a:t> </a:t>
+            </a:r>
+            <a:r>
+              <a:rPr lang="en-US" sz="1100" u="sng" dirty="0" err="1"/>
+              <a:t>dụ</a:t>
+            </a:r>
+            <a:r>
+              <a:rPr lang="en-US" sz="1100" dirty="0"/>
+              <a:t>: </a:t>
+            </a:r>
+            <a:r>
+              <a:rPr lang="en-US" sz="1100" dirty="0" err="1"/>
+              <a:t>Nhập</a:t>
+            </a:r>
+            <a:r>
+              <a:rPr lang="en-US" sz="1100" dirty="0"/>
+              <a:t> </a:t>
+            </a:r>
+            <a:r>
+              <a:rPr lang="en-US" sz="1100" dirty="0" err="1"/>
+              <a:t>chuỗi</a:t>
+            </a:r>
+            <a:r>
+              <a:rPr lang="en-US" sz="1100" dirty="0"/>
+              <a:t> </a:t>
+            </a:r>
+            <a:r>
+              <a:rPr lang="en-US" sz="1100" dirty="0" err="1"/>
+              <a:t>như</a:t>
+            </a:r>
+            <a:r>
+              <a:rPr lang="en-US" sz="1100" dirty="0"/>
+              <a:t> </a:t>
+            </a:r>
+            <a:r>
+              <a:rPr lang="en-US" sz="1100" dirty="0" err="1"/>
+              <a:t>hình</a:t>
+            </a:r>
+            <a:r>
+              <a:rPr lang="en-US" sz="1100" dirty="0"/>
+              <a:t> </a:t>
+            </a:r>
+            <a:r>
+              <a:rPr lang="en-US" sz="1100" dirty="0" err="1"/>
+              <a:t>bên</a:t>
+            </a:r>
+            <a:r>
+              <a:rPr lang="en-US" sz="1100" dirty="0"/>
+              <a:t> </a:t>
+            </a:r>
+            <a:r>
+              <a:rPr lang="en-US" sz="1100" dirty="0" err="1"/>
+              <a:t>thì</a:t>
+            </a:r>
+            <a:r>
+              <a:rPr lang="en-US" sz="1100" dirty="0"/>
+              <a:t> ta </a:t>
+            </a:r>
+            <a:r>
+              <a:rPr lang="en-US" sz="1100" dirty="0" err="1"/>
+              <a:t>được</a:t>
+            </a:r>
+            <a:r>
+              <a:rPr lang="en-US" sz="1100" dirty="0"/>
+              <a:t> size </a:t>
+            </a:r>
+            <a:r>
+              <a:rPr lang="en-US" sz="1100" dirty="0" err="1"/>
+              <a:t>với</a:t>
+            </a:r>
+            <a:r>
+              <a:rPr lang="en-US" sz="1100" dirty="0"/>
+              <a:t> ESP32 </a:t>
+            </a:r>
+            <a:r>
+              <a:rPr lang="en-US" sz="1100" dirty="0" err="1"/>
+              <a:t>là</a:t>
+            </a:r>
+            <a:r>
+              <a:rPr lang="en-US" sz="1100" dirty="0"/>
+              <a:t> 263</a:t>
             </a:r>
           </a:p>
           <a:p>
             <a:pPr algn="just"/>
             <a:r>
-              <a:rPr lang="en-US" sz="1100" smtClean="0"/>
-              <a:t>DynamicJsonDocument doc(263);</a:t>
+              <a:rPr lang="en-US" sz="1100" dirty="0" err="1"/>
+              <a:t>DynamicJsonDocument</a:t>
+            </a:r>
+            <a:r>
+              <a:rPr lang="en-US" sz="1100" dirty="0"/>
+              <a:t> doc(263);</a:t>
             </a:r>
           </a:p>
           <a:p>
             <a:pPr algn="just"/>
             <a:r>
-              <a:rPr lang="en-US" sz="1100" smtClean="0"/>
-              <a:t>StaticJsonDocument &lt;263&gt; doc;</a:t>
+              <a:rPr lang="en-US" sz="1100" dirty="0" err="1"/>
+              <a:t>StaticJsonDocument</a:t>
+            </a:r>
+            <a:r>
+              <a:rPr lang="en-US" sz="1100" dirty="0"/>
+              <a:t> &lt;263&gt; doc;</a:t>
             </a:r>
           </a:p>
           <a:p>
             <a:pPr algn="just"/>
-            <a:endParaRPr lang="en-US" sz="1100"/>
+            <a:endParaRPr lang="en-US" sz="1100" dirty="0"/>
           </a:p>
           <a:p>
             <a:pPr algn="just"/>
-            <a:endParaRPr lang="en-US" sz="1100"/>
+            <a:endParaRPr lang="en-US" sz="1100" dirty="0"/>
           </a:p>
         </p:txBody>
       </p:sp>
@@ -6933,23 +7148,61 @@
           <a:lstStyle/>
           <a:p>
             <a:r>
-              <a:rPr lang="en-US" smtClean="0">
-                <a:latin typeface="Arial" panose="020B0604020202020204" pitchFamily="34" charset="0"/>
+              <a:rPr lang="en-US" sz="3000" dirty="0" err="1">
+                <a:latin typeface="Segoe UI Black" panose="020B0A02040204020203" pitchFamily="34" charset="0"/>
                 <a:cs typeface="Arial" panose="020B0604020202020204" pitchFamily="34" charset="0"/>
               </a:rPr>
-              <a:t>Thư viện &amp; các hàm </a:t>
-            </a:r>
-            <a:r>
-              <a:rPr lang="en-US" smtClean="0">
-                <a:latin typeface="Arial" panose="020B0604020202020204" pitchFamily="34" charset="0"/>
+              <a:t>Thư</a:t>
+            </a:r>
+            <a:r>
+              <a:rPr lang="en-US" sz="3000" dirty="0">
+                <a:latin typeface="Segoe UI Black" panose="020B0A02040204020203" pitchFamily="34" charset="0"/>
                 <a:cs typeface="Arial" panose="020B0604020202020204" pitchFamily="34" charset="0"/>
               </a:rPr>
-              <a:t>:   </a:t>
-            </a:r>
-            <a:endParaRPr lang="en-US">
-              <a:latin typeface="Arial" panose="020B0604020202020204" pitchFamily="34" charset="0"/>
-              <a:cs typeface="Arial" panose="020B0604020202020204" pitchFamily="34" charset="0"/>
-            </a:endParaRPr>
+              <a:t> </a:t>
+            </a:r>
+            <a:r>
+              <a:rPr lang="en-US" sz="3000" dirty="0" err="1">
+                <a:latin typeface="Segoe UI Black" panose="020B0A02040204020203" pitchFamily="34" charset="0"/>
+                <a:cs typeface="Arial" panose="020B0604020202020204" pitchFamily="34" charset="0"/>
+              </a:rPr>
+              <a:t>viện</a:t>
+            </a:r>
+            <a:r>
+              <a:rPr lang="en-US" sz="3000" dirty="0">
+                <a:latin typeface="Segoe UI Black" panose="020B0A02040204020203" pitchFamily="34" charset="0"/>
+                <a:cs typeface="Arial" panose="020B0604020202020204" pitchFamily="34" charset="0"/>
+              </a:rPr>
+              <a:t> &amp; </a:t>
+            </a:r>
+            <a:r>
+              <a:rPr lang="en-US" sz="3000" dirty="0" err="1">
+                <a:latin typeface="Segoe UI Black" panose="020B0A02040204020203" pitchFamily="34" charset="0"/>
+                <a:cs typeface="Arial" panose="020B0604020202020204" pitchFamily="34" charset="0"/>
+              </a:rPr>
+              <a:t>các</a:t>
+            </a:r>
+            <a:r>
+              <a:rPr lang="en-US" sz="3000" dirty="0">
+                <a:latin typeface="Segoe UI Black" panose="020B0A02040204020203" pitchFamily="34" charset="0"/>
+                <a:cs typeface="Arial" panose="020B0604020202020204" pitchFamily="34" charset="0"/>
+              </a:rPr>
+              <a:t> </a:t>
+            </a:r>
+            <a:r>
+              <a:rPr lang="en-US" sz="3000" dirty="0" err="1">
+                <a:latin typeface="Segoe UI Black" panose="020B0A02040204020203" pitchFamily="34" charset="0"/>
+                <a:cs typeface="Arial" panose="020B0604020202020204" pitchFamily="34" charset="0"/>
+              </a:rPr>
+              <a:t>hàm</a:t>
+            </a:r>
+            <a:r>
+              <a:rPr lang="en-US" sz="3000" dirty="0">
+                <a:latin typeface="Segoe UI Black" panose="020B0A02040204020203" pitchFamily="34" charset="0"/>
+                <a:cs typeface="Arial" panose="020B0604020202020204" pitchFamily="34" charset="0"/>
+              </a:rPr>
+              <a:t> :   </a:t>
+            </a:r>
           </a:p>
         </p:txBody>
       </p:sp>
@@ -6971,12 +7224,8 @@
           <a:lstStyle/>
           <a:p>
             <a:r>
-              <a:rPr lang="en-US" smtClean="0"/>
-              <a:t>ArduinoJson.h </a:t>
-            </a:r>
-            <a:r>
-              <a:rPr lang="en-US" smtClean="0"/>
-              <a:t>– decode</a:t>
+              <a:rPr lang="en-US"/>
+              <a:t>ArduinoJson.h – decode</a:t>
             </a:r>
           </a:p>
         </p:txBody>
@@ -7045,13 +7294,6 @@
   <p:clrMapOvr>
     <a:masterClrMapping/>
   </p:clrMapOvr>
-  <p:timing>
-    <p:tnLst>
-      <p:par>
-        <p:cTn id="1" dur="indefinite" restart="never" nodeType="tmRoot"/>
-      </p:par>
-    </p:tnLst>
-  </p:timing>
 </p:sld>
 </file>
 
@@ -7088,16 +7330,61 @@
           <a:lstStyle/>
           <a:p>
             <a:r>
-              <a:rPr lang="en-US" smtClean="0">
-                <a:latin typeface="Arial" panose="020B0604020202020204" pitchFamily="34" charset="0"/>
+              <a:rPr lang="en-US" sz="3000" dirty="0" err="1">
+                <a:latin typeface="Segoe UI Black" panose="020B0A02040204020203" pitchFamily="34" charset="0"/>
                 <a:cs typeface="Arial" panose="020B0604020202020204" pitchFamily="34" charset="0"/>
               </a:rPr>
-              <a:t>Thư viện &amp; các hàm :  </a:t>
-            </a:r>
-            <a:endParaRPr lang="en-US">
-              <a:latin typeface="Arial" panose="020B0604020202020204" pitchFamily="34" charset="0"/>
-              <a:cs typeface="Arial" panose="020B0604020202020204" pitchFamily="34" charset="0"/>
-            </a:endParaRPr>
+              <a:t>Thư</a:t>
+            </a:r>
+            <a:r>
+              <a:rPr lang="en-US" sz="3000" dirty="0">
+                <a:latin typeface="Segoe UI Black" panose="020B0A02040204020203" pitchFamily="34" charset="0"/>
+                <a:cs typeface="Arial" panose="020B0604020202020204" pitchFamily="34" charset="0"/>
+              </a:rPr>
+              <a:t> </a:t>
+            </a:r>
+            <a:r>
+              <a:rPr lang="en-US" sz="3000" dirty="0" err="1">
+                <a:latin typeface="Segoe UI Black" panose="020B0A02040204020203" pitchFamily="34" charset="0"/>
+                <a:cs typeface="Arial" panose="020B0604020202020204" pitchFamily="34" charset="0"/>
+              </a:rPr>
+              <a:t>viện</a:t>
+            </a:r>
+            <a:r>
+              <a:rPr lang="en-US" sz="3000" dirty="0">
+                <a:latin typeface="Segoe UI Black" panose="020B0A02040204020203" pitchFamily="34" charset="0"/>
+                <a:cs typeface="Arial" panose="020B0604020202020204" pitchFamily="34" charset="0"/>
+              </a:rPr>
+              <a:t> &amp; </a:t>
+            </a:r>
+            <a:r>
+              <a:rPr lang="en-US" sz="3000" dirty="0" err="1">
+                <a:latin typeface="Segoe UI Black" panose="020B0A02040204020203" pitchFamily="34" charset="0"/>
+                <a:cs typeface="Arial" panose="020B0604020202020204" pitchFamily="34" charset="0"/>
+              </a:rPr>
+              <a:t>các</a:t>
+            </a:r>
+            <a:r>
+              <a:rPr lang="en-US" sz="3000" dirty="0">
+                <a:latin typeface="Segoe UI Black" panose="020B0A02040204020203" pitchFamily="34" charset="0"/>
+                <a:cs typeface="Arial" panose="020B0604020202020204" pitchFamily="34" charset="0"/>
+              </a:rPr>
+              <a:t> </a:t>
+            </a:r>
+            <a:r>
+              <a:rPr lang="en-US" sz="3000" dirty="0" err="1">
+                <a:latin typeface="Segoe UI Black" panose="020B0A02040204020203" pitchFamily="34" charset="0"/>
+                <a:cs typeface="Arial" panose="020B0604020202020204" pitchFamily="34" charset="0"/>
+              </a:rPr>
+              <a:t>hàm</a:t>
+            </a:r>
+            <a:r>
+              <a:rPr lang="en-US" sz="3000" dirty="0">
+                <a:latin typeface="Segoe UI Black" panose="020B0A02040204020203" pitchFamily="34" charset="0"/>
+                <a:cs typeface="Arial" panose="020B0604020202020204" pitchFamily="34" charset="0"/>
+              </a:rPr>
+              <a:t> :  </a:t>
+            </a:r>
           </a:p>
         </p:txBody>
       </p:sp>
@@ -7119,29 +7406,13 @@
           <a:lstStyle/>
           <a:p>
             <a:r>
-              <a:rPr lang="en-US" smtClean="0"/>
-              <a:t>ArduinoJson.h - decode</a:t>
-            </a:r>
-            <a:endParaRPr lang="en-US"/>
-          </a:p>
-        </p:txBody>
-      </p:sp>
-      <p:sp>
-        <p:nvSpPr>
-          <p:cNvPr id="6" name="Text Placeholder 5"/>
-          <p:cNvSpPr>
-            <a:spLocks noGrp="1"/>
-          </p:cNvSpPr>
-          <p:nvPr>
-            <p:ph type="body" sz="half" idx="11"/>
-          </p:nvPr>
-        </p:nvSpPr>
-        <p:spPr/>
-        <p:txBody>
-          <a:bodyPr/>
-          <a:lstStyle/>
-          <a:p>
-            <a:endParaRPr lang="en-US"/>
+              <a:rPr lang="en-US" dirty="0" err="1"/>
+              <a:t>ArduinoJson.h</a:t>
+            </a:r>
+            <a:r>
+              <a:rPr lang="en-US" dirty="0"/>
+              <a:t> - decode</a:t>
+            </a:r>
           </a:p>
         </p:txBody>
       </p:sp>
@@ -7169,37 +7440,96 @@
           <a:p>
             <a:pPr algn="just"/>
             <a:r>
-              <a:rPr lang="en-US" sz="1200" smtClean="0"/>
-              <a:t>deserializeJson(JsonDocument &amp;doc, char* input);</a:t>
+              <a:rPr lang="en-US" sz="1200" dirty="0" err="1"/>
+              <a:t>deserializeJson</a:t>
+            </a:r>
+            <a:r>
+              <a:rPr lang="en-US" sz="1200" dirty="0"/>
+              <a:t>(</a:t>
+            </a:r>
+            <a:r>
+              <a:rPr lang="en-US" sz="1200" dirty="0" err="1"/>
+              <a:t>JsonDocument</a:t>
+            </a:r>
+            <a:r>
+              <a:rPr lang="en-US" sz="1200" dirty="0"/>
+              <a:t> &amp;doc, char* input);</a:t>
             </a:r>
           </a:p>
           <a:p>
             <a:pPr algn="just"/>
             <a:r>
-              <a:rPr lang="en-US" sz="1200" smtClean="0"/>
-              <a:t>	- Giải mã input vào doc.</a:t>
-            </a:r>
-            <a:endParaRPr lang="en-US" sz="1200"/>
+              <a:rPr lang="en-US" sz="1200" dirty="0"/>
+              <a:t>	- </a:t>
+            </a:r>
+            <a:r>
+              <a:rPr lang="en-US" sz="1200" dirty="0" err="1"/>
+              <a:t>Giải</a:t>
+            </a:r>
+            <a:r>
+              <a:rPr lang="en-US" sz="1200" dirty="0"/>
+              <a:t> </a:t>
+            </a:r>
+            <a:r>
+              <a:rPr lang="en-US" sz="1200" dirty="0" err="1"/>
+              <a:t>mã</a:t>
+            </a:r>
+            <a:r>
+              <a:rPr lang="en-US" sz="1200" dirty="0"/>
+              <a:t> input </a:t>
+            </a:r>
+            <a:r>
+              <a:rPr lang="en-US" sz="1200" dirty="0" err="1"/>
+              <a:t>vào</a:t>
+            </a:r>
+            <a:r>
+              <a:rPr lang="en-US" sz="1200" dirty="0"/>
+              <a:t> doc.</a:t>
+            </a:r>
           </a:p>
           <a:p>
             <a:pPr algn="just"/>
-            <a:endParaRPr lang="en-US" sz="1200"/>
+            <a:endParaRPr lang="en-US" sz="1200" dirty="0"/>
           </a:p>
           <a:p>
             <a:pPr algn="just"/>
             <a:r>
-              <a:rPr lang="en-US" sz="1200" smtClean="0"/>
-              <a:t>Ex: Giải mã Json {“sensor”: “gps”}:</a:t>
+              <a:rPr lang="en-US" sz="1200" dirty="0"/>
+              <a:t>Ex: </a:t>
+            </a:r>
+            <a:r>
+              <a:rPr lang="en-US" sz="1200" dirty="0" err="1"/>
+              <a:t>Giải</a:t>
+            </a:r>
+            <a:r>
+              <a:rPr lang="en-US" sz="1200" dirty="0"/>
+              <a:t> </a:t>
+            </a:r>
+            <a:r>
+              <a:rPr lang="en-US" sz="1200" dirty="0" err="1"/>
+              <a:t>mã</a:t>
+            </a:r>
+            <a:r>
+              <a:rPr lang="en-US" sz="1200" dirty="0"/>
+              <a:t> Json {“sensor”: “</a:t>
+            </a:r>
+            <a:r>
+              <a:rPr lang="en-US" sz="1200" dirty="0" err="1"/>
+              <a:t>gps</a:t>
+            </a:r>
+            <a:r>
+              <a:rPr lang="en-US" sz="1200" dirty="0"/>
+              <a:t>”}:</a:t>
             </a:r>
           </a:p>
           <a:p>
             <a:pPr algn="just"/>
-            <a:endParaRPr lang="en-US" sz="1200" smtClean="0"/>
+            <a:endParaRPr lang="en-US" sz="1200" dirty="0"/>
           </a:p>
           <a:p>
             <a:pPr algn="just"/>
             <a:r>
-              <a:rPr lang="en-US" sz="1200" smtClean="0">
+              <a:rPr lang="en-US" sz="1200" dirty="0">
                 <a:solidFill>
                   <a:schemeClr val="accent2">
                     <a:lumMod val="75000"/>
@@ -7209,7 +7539,7 @@
               <a:t>String</a:t>
             </a:r>
             <a:r>
-              <a:rPr lang="en-US" sz="1200" smtClean="0">
+              <a:rPr lang="en-US" sz="1200" dirty="0">
                 <a:solidFill>
                   <a:schemeClr val="accent5">
                     <a:lumMod val="60000"/>
@@ -7220,7 +7550,7 @@
               <a:t> </a:t>
             </a:r>
             <a:r>
-              <a:rPr lang="en-US" sz="1200" smtClean="0">
+              <a:rPr lang="en-US" sz="1200" dirty="0">
                 <a:solidFill>
                   <a:schemeClr val="accent1">
                     <a:lumMod val="75000"/>
@@ -7230,7 +7560,7 @@
               <a:t>input</a:t>
             </a:r>
             <a:r>
-              <a:rPr lang="en-US" sz="1200" smtClean="0">
+              <a:rPr lang="en-US" sz="1200" dirty="0">
                 <a:solidFill>
                   <a:schemeClr val="accent5">
                     <a:lumMod val="60000"/>
@@ -7238,20 +7568,42 @@
                   </a:schemeClr>
                 </a:solidFill>
               </a:rPr>
-              <a:t> = “{\”sensor\”:\”gps\”}”;</a:t>
+              <a:t> = “{\”sensor\”:\”</a:t>
+            </a:r>
+            <a:r>
+              <a:rPr lang="en-US" sz="1200" dirty="0" err="1">
+                <a:solidFill>
+                  <a:schemeClr val="accent5">
+                    <a:lumMod val="60000"/>
+                    <a:lumOff val="40000"/>
+                  </a:schemeClr>
+                </a:solidFill>
+              </a:rPr>
+              <a:t>gps</a:t>
+            </a:r>
+            <a:r>
+              <a:rPr lang="en-US" sz="1200" dirty="0">
+                <a:solidFill>
+                  <a:schemeClr val="accent5">
+                    <a:lumMod val="60000"/>
+                    <a:lumOff val="40000"/>
+                  </a:schemeClr>
+                </a:solidFill>
+              </a:rPr>
+              <a:t>\”}”;</a:t>
             </a:r>
           </a:p>
           <a:p>
             <a:pPr algn="just"/>
             <a:r>
-              <a:rPr lang="en-US" sz="1200" smtClean="0"/>
+              <a:rPr lang="en-US" sz="1200" dirty="0"/>
               <a:t> </a:t>
             </a:r>
           </a:p>
           <a:p>
             <a:pPr algn="just"/>
             <a:r>
-              <a:rPr lang="en-US" sz="1200" smtClean="0">
+              <a:rPr lang="en-US" sz="1200" dirty="0" err="1">
                 <a:solidFill>
                   <a:schemeClr val="accent2">
                     <a:lumMod val="75000"/>
@@ -7261,11 +7613,11 @@
               <a:t>DynamicJsonDocument</a:t>
             </a:r>
             <a:r>
-              <a:rPr lang="en-US" sz="1200" smtClean="0"/>
+              <a:rPr lang="en-US" sz="1200" dirty="0"/>
               <a:t> </a:t>
             </a:r>
             <a:r>
-              <a:rPr lang="en-US" sz="1200" smtClean="0">
+              <a:rPr lang="en-US" sz="1200" dirty="0">
                 <a:solidFill>
                   <a:schemeClr val="accent1">
                     <a:lumMod val="75000"/>
@@ -7275,14 +7627,14 @@
               <a:t>doc</a:t>
             </a:r>
             <a:r>
-              <a:rPr lang="en-US" sz="1200" smtClean="0"/>
+              <a:rPr lang="en-US" sz="1200" dirty="0"/>
               <a:t> (27);</a:t>
             </a:r>
           </a:p>
           <a:p>
             <a:pPr algn="just"/>
             <a:r>
-              <a:rPr lang="en-US" sz="1200" smtClean="0">
+              <a:rPr lang="en-US" sz="1200" dirty="0">
                 <a:solidFill>
                   <a:schemeClr val="accent6">
                     <a:lumMod val="60000"/>
@@ -7296,7 +7648,7 @@
           <a:p>
             <a:pPr algn="just"/>
             <a:r>
-              <a:rPr lang="en-US" sz="1200" smtClean="0">
+              <a:rPr lang="en-US" sz="1200" dirty="0" err="1">
                 <a:solidFill>
                   <a:schemeClr val="accent2">
                     <a:lumMod val="75000"/>
@@ -7306,18 +7658,18 @@
               <a:t>deserializeJson</a:t>
             </a:r>
             <a:r>
-              <a:rPr lang="en-US" sz="1200" smtClean="0"/>
+              <a:rPr lang="en-US" sz="1200" dirty="0"/>
               <a:t>(doc, input);</a:t>
             </a:r>
           </a:p>
           <a:p>
             <a:pPr algn="just"/>
-            <a:endParaRPr lang="en-US" sz="1200"/>
+            <a:endParaRPr lang="en-US" sz="1200" dirty="0"/>
           </a:p>
           <a:p>
             <a:pPr algn="just"/>
             <a:r>
-              <a:rPr lang="en-US" sz="1200" smtClean="0">
+              <a:rPr lang="en-US" sz="1200" dirty="0" err="1">
                 <a:solidFill>
                   <a:schemeClr val="accent2">
                     <a:lumMod val="75000"/>
@@ -7327,11 +7679,11 @@
               <a:t>JsonObject</a:t>
             </a:r>
             <a:r>
-              <a:rPr lang="en-US" sz="1200" smtClean="0"/>
+              <a:rPr lang="en-US" sz="1200" dirty="0"/>
               <a:t> </a:t>
             </a:r>
             <a:r>
-              <a:rPr lang="en-US" sz="1200" smtClean="0">
+              <a:rPr lang="en-US" sz="1200" dirty="0">
                 <a:solidFill>
                   <a:schemeClr val="accent1">
                     <a:lumMod val="75000"/>
@@ -7341,11 +7693,11 @@
               <a:t>obj</a:t>
             </a:r>
             <a:r>
-              <a:rPr lang="en-US" sz="1200" smtClean="0"/>
+              <a:rPr lang="en-US" sz="1200" dirty="0"/>
               <a:t> = </a:t>
             </a:r>
             <a:r>
-              <a:rPr lang="en-US" sz="1200" smtClean="0">
+              <a:rPr lang="en-US" sz="1200" dirty="0">
                 <a:solidFill>
                   <a:schemeClr val="accent1">
                     <a:lumMod val="60000"/>
@@ -7353,17 +7705,39 @@
                   </a:schemeClr>
                 </a:solidFill>
               </a:rPr>
-              <a:t>doc.as&lt;JsonObject&gt;();</a:t>
+              <a:t>doc.as&lt;</a:t>
+            </a:r>
+            <a:r>
+              <a:rPr lang="en-US" sz="1200" dirty="0" err="1">
+                <a:solidFill>
+                  <a:schemeClr val="accent1">
+                    <a:lumMod val="60000"/>
+                    <a:lumOff val="40000"/>
+                  </a:schemeClr>
+                </a:solidFill>
+              </a:rPr>
+              <a:t>JsonObject</a:t>
+            </a:r>
+            <a:r>
+              <a:rPr lang="en-US" sz="1200" dirty="0">
+                <a:solidFill>
+                  <a:schemeClr val="accent1">
+                    <a:lumMod val="60000"/>
+                    <a:lumOff val="40000"/>
+                  </a:schemeClr>
+                </a:solidFill>
+              </a:rPr>
+              <a:t>&gt;();</a:t>
             </a:r>
           </a:p>
           <a:p>
             <a:pPr algn="just"/>
-            <a:endParaRPr lang="en-US" sz="1200" smtClean="0"/>
+            <a:endParaRPr lang="en-US" sz="1200" dirty="0"/>
           </a:p>
           <a:p>
             <a:pPr algn="just"/>
             <a:r>
-              <a:rPr lang="en-US" sz="1200" smtClean="0">
+              <a:rPr lang="en-US" sz="1200" dirty="0">
                 <a:solidFill>
                   <a:schemeClr val="accent6">
                     <a:lumMod val="60000"/>
@@ -7377,7 +7751,7 @@
           <a:p>
             <a:pPr algn="just"/>
             <a:r>
-              <a:rPr lang="en-US" sz="1200" smtClean="0">
+              <a:rPr lang="en-US" sz="1200" dirty="0">
                 <a:solidFill>
                   <a:schemeClr val="accent2">
                     <a:lumMod val="75000"/>
@@ -7387,11 +7761,11 @@
               <a:t>String</a:t>
             </a:r>
             <a:r>
-              <a:rPr lang="en-US" sz="1200" smtClean="0"/>
+              <a:rPr lang="en-US" sz="1200" dirty="0"/>
               <a:t> </a:t>
             </a:r>
             <a:r>
-              <a:rPr lang="en-US" sz="1200" smtClean="0">
+              <a:rPr lang="en-US" sz="1200" dirty="0">
                 <a:solidFill>
                   <a:schemeClr val="accent1">
                     <a:lumMod val="75000"/>
@@ -7401,11 +7775,11 @@
               <a:t>sensor</a:t>
             </a:r>
             <a:r>
-              <a:rPr lang="en-US" sz="1200" smtClean="0"/>
+              <a:rPr lang="en-US" sz="1200" dirty="0"/>
               <a:t> = </a:t>
             </a:r>
             <a:r>
-              <a:rPr lang="en-US" sz="1200" smtClean="0">
+              <a:rPr lang="en-US" sz="1200" dirty="0">
                 <a:solidFill>
                   <a:schemeClr val="accent1">
                     <a:lumMod val="60000"/>
@@ -7416,7 +7790,7 @@
               <a:t>obj[“sensor”].as&lt;String&gt;(); </a:t>
             </a:r>
             <a:r>
-              <a:rPr lang="en-US" sz="1200" smtClean="0">
+              <a:rPr lang="en-US" sz="1200" dirty="0">
                 <a:solidFill>
                   <a:schemeClr val="accent6">
                     <a:lumMod val="60000"/>
@@ -7426,18 +7800,10 @@
               </a:rPr>
               <a:t>//get data sensor</a:t>
             </a:r>
-            <a:endParaRPr lang="en-US" sz="1200">
-              <a:solidFill>
-                <a:schemeClr val="accent6">
-                  <a:lumMod val="60000"/>
-                  <a:lumOff val="40000"/>
-                </a:schemeClr>
-              </a:solidFill>
-            </a:endParaRPr>
           </a:p>
           <a:p>
             <a:pPr algn="just"/>
-            <a:endParaRPr lang="en-US" sz="1100"/>
+            <a:endParaRPr lang="en-US" sz="1100" dirty="0"/>
           </a:p>
         </p:txBody>
       </p:sp>
@@ -7516,13 +7882,6 @@
   <p:clrMapOvr>
     <a:masterClrMapping/>
   </p:clrMapOvr>
-  <p:timing>
-    <p:tnLst>
-      <p:par>
-        <p:cTn id="1" dur="indefinite" restart="never" nodeType="tmRoot"/>
-      </p:par>
-    </p:tnLst>
-  </p:timing>
 </p:sld>
 </file>
 
@@ -7559,16 +7918,61 @@
           <a:lstStyle/>
           <a:p>
             <a:r>
-              <a:rPr lang="en-US" smtClean="0">
-                <a:latin typeface="Arial" panose="020B0604020202020204" pitchFamily="34" charset="0"/>
+              <a:rPr lang="en-US" sz="3000" dirty="0" err="1">
+                <a:latin typeface="Segoe UI Black" panose="020B0A02040204020203" pitchFamily="34" charset="0"/>
                 <a:cs typeface="Arial" panose="020B0604020202020204" pitchFamily="34" charset="0"/>
               </a:rPr>
-              <a:t>Thư viện &amp; các hàm :  </a:t>
-            </a:r>
-            <a:endParaRPr lang="en-US">
-              <a:latin typeface="Arial" panose="020B0604020202020204" pitchFamily="34" charset="0"/>
-              <a:cs typeface="Arial" panose="020B0604020202020204" pitchFamily="34" charset="0"/>
-            </a:endParaRPr>
+              <a:t>Thư</a:t>
+            </a:r>
+            <a:r>
+              <a:rPr lang="en-US" sz="3000" dirty="0">
+                <a:latin typeface="Segoe UI Black" panose="020B0A02040204020203" pitchFamily="34" charset="0"/>
+                <a:cs typeface="Arial" panose="020B0604020202020204" pitchFamily="34" charset="0"/>
+              </a:rPr>
+              <a:t> </a:t>
+            </a:r>
+            <a:r>
+              <a:rPr lang="en-US" sz="3000" dirty="0" err="1">
+                <a:latin typeface="Segoe UI Black" panose="020B0A02040204020203" pitchFamily="34" charset="0"/>
+                <a:cs typeface="Arial" panose="020B0604020202020204" pitchFamily="34" charset="0"/>
+              </a:rPr>
+              <a:t>viện</a:t>
+            </a:r>
+            <a:r>
+              <a:rPr lang="en-US" sz="3000" dirty="0">
+                <a:latin typeface="Segoe UI Black" panose="020B0A02040204020203" pitchFamily="34" charset="0"/>
+                <a:cs typeface="Arial" panose="020B0604020202020204" pitchFamily="34" charset="0"/>
+              </a:rPr>
+              <a:t> &amp; </a:t>
+            </a:r>
+            <a:r>
+              <a:rPr lang="en-US" sz="3000" dirty="0" err="1">
+                <a:latin typeface="Segoe UI Black" panose="020B0A02040204020203" pitchFamily="34" charset="0"/>
+                <a:cs typeface="Arial" panose="020B0604020202020204" pitchFamily="34" charset="0"/>
+              </a:rPr>
+              <a:t>các</a:t>
+            </a:r>
+            <a:r>
+              <a:rPr lang="en-US" sz="3000" dirty="0">
+                <a:latin typeface="Segoe UI Black" panose="020B0A02040204020203" pitchFamily="34" charset="0"/>
+                <a:cs typeface="Arial" panose="020B0604020202020204" pitchFamily="34" charset="0"/>
+              </a:rPr>
+              <a:t> </a:t>
+            </a:r>
+            <a:r>
+              <a:rPr lang="en-US" sz="3000" dirty="0" err="1">
+                <a:latin typeface="Segoe UI Black" panose="020B0A02040204020203" pitchFamily="34" charset="0"/>
+                <a:cs typeface="Arial" panose="020B0604020202020204" pitchFamily="34" charset="0"/>
+              </a:rPr>
+              <a:t>hàm</a:t>
+            </a:r>
+            <a:r>
+              <a:rPr lang="en-US" sz="3000" dirty="0">
+                <a:latin typeface="Segoe UI Black" panose="020B0A02040204020203" pitchFamily="34" charset="0"/>
+                <a:cs typeface="Arial" panose="020B0604020202020204" pitchFamily="34" charset="0"/>
+              </a:rPr>
+              <a:t> :  </a:t>
+            </a:r>
           </a:p>
         </p:txBody>
       </p:sp>
@@ -7590,10 +7994,9 @@
           <a:lstStyle/>
           <a:p>
             <a:r>
-              <a:rPr lang="en-US" smtClean="0"/>
+              <a:rPr lang="en-US"/>
               <a:t>ArduinoJson.h - encode</a:t>
             </a:r>
-            <a:endParaRPr lang="en-US"/>
           </a:p>
         </p:txBody>
       </p:sp>
@@ -7618,10 +8021,9 @@
           <a:lstStyle/>
           <a:p>
             <a:r>
-              <a:rPr lang="en-US" smtClean="0"/>
+              <a:rPr lang="en-US"/>
               <a:t>Kết quả in màn hình</a:t>
             </a:r>
-            <a:endParaRPr lang="en-US"/>
           </a:p>
         </p:txBody>
       </p:sp>
@@ -7649,17 +8051,16 @@
           <a:p>
             <a:pPr algn="just"/>
             <a:r>
-              <a:rPr lang="en-US" sz="1400" smtClean="0"/>
+              <a:rPr lang="en-US" sz="1400"/>
               <a:t>serializeJson(JsonDocument &amp;doc, char* output);</a:t>
             </a:r>
           </a:p>
           <a:p>
             <a:pPr algn="just"/>
             <a:r>
-              <a:rPr lang="en-US" sz="1400" smtClean="0"/>
+              <a:rPr lang="en-US" sz="1400"/>
               <a:t>	- Giải mã input vào doc.</a:t>
             </a:r>
-            <a:endParaRPr lang="en-US" sz="1400"/>
           </a:p>
           <a:p>
             <a:pPr algn="just"/>
@@ -7668,19 +8069,18 @@
           <a:p>
             <a:pPr algn="just"/>
             <a:r>
-              <a:rPr lang="en-US" sz="1400" smtClean="0"/>
+              <a:rPr lang="en-US" sz="1400"/>
               <a:t>Ex: Tạo chuỗi Json {“sensor”: “gps”}:</a:t>
             </a:r>
+          </a:p>
+          <a:p>
+            <a:pPr algn="just"/>
             <a:endParaRPr lang="en-US" sz="1400"/>
           </a:p>
           <a:p>
             <a:pPr algn="just"/>
-            <a:endParaRPr lang="en-US" sz="1400" smtClean="0"/>
-          </a:p>
-          <a:p>
-            <a:pPr algn="just"/>
-            <a:r>
-              <a:rPr lang="en-US" sz="1400" smtClean="0">
+            <a:r>
+              <a:rPr lang="en-US" sz="1400">
                 <a:solidFill>
                   <a:schemeClr val="accent2">
                     <a:lumMod val="75000"/>
@@ -7690,7 +8090,7 @@
               <a:t>String</a:t>
             </a:r>
             <a:r>
-              <a:rPr lang="en-US" sz="1400" smtClean="0">
+              <a:rPr lang="en-US" sz="1400">
                 <a:solidFill>
                   <a:schemeClr val="accent5">
                     <a:lumMod val="60000"/>
@@ -7701,7 +8101,7 @@
               <a:t> </a:t>
             </a:r>
             <a:r>
-              <a:rPr lang="en-US" sz="1400" smtClean="0">
+              <a:rPr lang="en-US" sz="1400">
                 <a:solidFill>
                   <a:schemeClr val="accent1">
                     <a:lumMod val="75000"/>
@@ -7711,11 +8111,11 @@
               <a:t>output</a:t>
             </a:r>
             <a:r>
-              <a:rPr lang="en-US" sz="1400" smtClean="0"/>
+              <a:rPr lang="en-US" sz="1400"/>
               <a:t>=</a:t>
             </a:r>
             <a:r>
-              <a:rPr lang="en-US" sz="1400" smtClean="0">
+              <a:rPr lang="en-US" sz="1400">
                 <a:solidFill>
                   <a:schemeClr val="accent5">
                     <a:lumMod val="60000"/>
@@ -7725,12 +8125,12 @@
               </a:rPr>
               <a:t> “”;</a:t>
             </a:r>
-            <a:endParaRPr lang="en-US" sz="1400" smtClean="0"/>
+            <a:endParaRPr lang="en-US" sz="1400"/>
           </a:p>
           <a:p>
             <a:pPr algn="just"/>
             <a:r>
-              <a:rPr lang="en-US" sz="1400" smtClean="0">
+              <a:rPr lang="en-US" sz="1400">
                 <a:solidFill>
                   <a:schemeClr val="accent2">
                     <a:lumMod val="75000"/>
@@ -7740,11 +8140,11 @@
               <a:t>DynamicJsonDocument</a:t>
             </a:r>
             <a:r>
-              <a:rPr lang="en-US" sz="1400" smtClean="0"/>
+              <a:rPr lang="en-US" sz="1400"/>
               <a:t> </a:t>
             </a:r>
             <a:r>
-              <a:rPr lang="en-US" sz="1400" smtClean="0">
+              <a:rPr lang="en-US" sz="1400">
                 <a:solidFill>
                   <a:schemeClr val="accent1">
                     <a:lumMod val="75000"/>
@@ -7754,14 +8154,14 @@
               <a:t>doc</a:t>
             </a:r>
             <a:r>
-              <a:rPr lang="en-US" sz="1400" smtClean="0"/>
+              <a:rPr lang="en-US" sz="1400"/>
               <a:t> (27);</a:t>
             </a:r>
           </a:p>
           <a:p>
             <a:pPr algn="just"/>
             <a:r>
-              <a:rPr lang="en-US" sz="1400" smtClean="0">
+              <a:rPr lang="en-US" sz="1400">
                 <a:solidFill>
                   <a:schemeClr val="accent6">
                     <a:lumMod val="60000"/>
@@ -7776,7 +8176,7 @@
           <a:p>
             <a:pPr algn="just"/>
             <a:r>
-              <a:rPr lang="en-US" sz="1400" smtClean="0">
+              <a:rPr lang="en-US" sz="1400">
                 <a:solidFill>
                   <a:schemeClr val="accent2">
                     <a:lumMod val="75000"/>
@@ -7786,11 +8186,11 @@
               <a:t>JsonObject</a:t>
             </a:r>
             <a:r>
-              <a:rPr lang="en-US" sz="1400" smtClean="0"/>
+              <a:rPr lang="en-US" sz="1400"/>
               <a:t> </a:t>
             </a:r>
             <a:r>
-              <a:rPr lang="en-US" sz="1400" smtClean="0">
+              <a:rPr lang="en-US" sz="1400">
                 <a:solidFill>
                   <a:schemeClr val="accent1">
                     <a:lumMod val="75000"/>
@@ -7800,11 +8200,11 @@
               <a:t>obj</a:t>
             </a:r>
             <a:r>
-              <a:rPr lang="en-US" sz="1400" smtClean="0"/>
+              <a:rPr lang="en-US" sz="1400"/>
               <a:t> = </a:t>
             </a:r>
             <a:r>
-              <a:rPr lang="en-US" sz="1400" smtClean="0">
+              <a:rPr lang="en-US" sz="1400">
                 <a:solidFill>
                   <a:schemeClr val="accent1">
                     <a:lumMod val="60000"/>
@@ -7818,7 +8218,7 @@
           <a:p>
             <a:pPr algn="just"/>
             <a:r>
-              <a:rPr lang="en-US" sz="1400" smtClean="0">
+              <a:rPr lang="en-US" sz="1400">
                 <a:solidFill>
                   <a:schemeClr val="accent6">
                     <a:lumMod val="60000"/>
@@ -7853,7 +8253,7 @@
               <a:t> “gps”; </a:t>
             </a:r>
             <a:r>
-              <a:rPr lang="en-US" sz="1400" smtClean="0">
+              <a:rPr lang="en-US" sz="1400">
                 <a:solidFill>
                   <a:schemeClr val="accent6">
                     <a:lumMod val="60000"/>
@@ -7885,38 +8285,21 @@
                   </a:schemeClr>
                 </a:solidFill>
               </a:rPr>
-              <a:t>serializeJson(doc, output</a:t>
-            </a:r>
-            <a:r>
-              <a:rPr lang="en-US" sz="1400" smtClean="0">
+              <a:t>serializeJson(doc, output);</a:t>
+            </a:r>
+          </a:p>
+          <a:p>
+            <a:pPr algn="just"/>
+            <a:r>
+              <a:rPr lang="en-US" sz="1400">
                 <a:solidFill>
                   <a:schemeClr val="accent1">
                     <a:lumMod val="75000"/>
                   </a:schemeClr>
                 </a:solidFill>
               </a:rPr>
-              <a:t>);</a:t>
-            </a:r>
-          </a:p>
-          <a:p>
-            <a:pPr algn="just"/>
-            <a:r>
-              <a:rPr lang="en-US" sz="1400" smtClean="0">
-                <a:solidFill>
-                  <a:schemeClr val="accent1">
-                    <a:lumMod val="75000"/>
-                  </a:schemeClr>
-                </a:solidFill>
-              </a:rPr>
               <a:t>//output = {“sensor”: “gps”}</a:t>
             </a:r>
-            <a:endParaRPr lang="en-US" sz="1400">
-              <a:solidFill>
-                <a:schemeClr val="accent1">
-                  <a:lumMod val="75000"/>
-                </a:schemeClr>
-              </a:solidFill>
-            </a:endParaRPr>
           </a:p>
         </p:txBody>
       </p:sp>
@@ -8019,13 +8402,6 @@
   <p:clrMapOvr>
     <a:masterClrMapping/>
   </p:clrMapOvr>
-  <p:timing>
-    <p:tnLst>
-      <p:par>
-        <p:cTn id="1" dur="indefinite" restart="never" nodeType="tmRoot"/>
-      </p:par>
-    </p:tnLst>
-  </p:timing>
 </p:sld>
 </file>
 
@@ -8062,16 +8438,61 @@
           <a:lstStyle/>
           <a:p>
             <a:r>
-              <a:rPr lang="en-US" smtClean="0">
-                <a:latin typeface="Arial" panose="020B0604020202020204" pitchFamily="34" charset="0"/>
+              <a:rPr lang="en-US" sz="3000" dirty="0" err="1">
+                <a:latin typeface="Segoe UI Black" panose="020B0A02040204020203" pitchFamily="34" charset="0"/>
                 <a:cs typeface="Arial" panose="020B0604020202020204" pitchFamily="34" charset="0"/>
               </a:rPr>
-              <a:t>Thư viện &amp; các hàm :  </a:t>
-            </a:r>
-            <a:endParaRPr lang="en-US">
-              <a:latin typeface="Arial" panose="020B0604020202020204" pitchFamily="34" charset="0"/>
-              <a:cs typeface="Arial" panose="020B0604020202020204" pitchFamily="34" charset="0"/>
-            </a:endParaRPr>
+              <a:t>Thư</a:t>
+            </a:r>
+            <a:r>
+              <a:rPr lang="en-US" sz="3000" dirty="0">
+                <a:latin typeface="Segoe UI Black" panose="020B0A02040204020203" pitchFamily="34" charset="0"/>
+                <a:cs typeface="Arial" panose="020B0604020202020204" pitchFamily="34" charset="0"/>
+              </a:rPr>
+              <a:t> </a:t>
+            </a:r>
+            <a:r>
+              <a:rPr lang="en-US" sz="3000" dirty="0" err="1">
+                <a:latin typeface="Segoe UI Black" panose="020B0A02040204020203" pitchFamily="34" charset="0"/>
+                <a:cs typeface="Arial" panose="020B0604020202020204" pitchFamily="34" charset="0"/>
+              </a:rPr>
+              <a:t>viện</a:t>
+            </a:r>
+            <a:r>
+              <a:rPr lang="en-US" sz="3000" dirty="0">
+                <a:latin typeface="Segoe UI Black" panose="020B0A02040204020203" pitchFamily="34" charset="0"/>
+                <a:cs typeface="Arial" panose="020B0604020202020204" pitchFamily="34" charset="0"/>
+              </a:rPr>
+              <a:t> &amp; </a:t>
+            </a:r>
+            <a:r>
+              <a:rPr lang="en-US" sz="3000" dirty="0" err="1">
+                <a:latin typeface="Segoe UI Black" panose="020B0A02040204020203" pitchFamily="34" charset="0"/>
+                <a:cs typeface="Arial" panose="020B0604020202020204" pitchFamily="34" charset="0"/>
+              </a:rPr>
+              <a:t>các</a:t>
+            </a:r>
+            <a:r>
+              <a:rPr lang="en-US" sz="3000" dirty="0">
+                <a:latin typeface="Segoe UI Black" panose="020B0A02040204020203" pitchFamily="34" charset="0"/>
+                <a:cs typeface="Arial" panose="020B0604020202020204" pitchFamily="34" charset="0"/>
+              </a:rPr>
+              <a:t> </a:t>
+            </a:r>
+            <a:r>
+              <a:rPr lang="en-US" sz="3000" dirty="0" err="1">
+                <a:latin typeface="Segoe UI Black" panose="020B0A02040204020203" pitchFamily="34" charset="0"/>
+                <a:cs typeface="Arial" panose="020B0604020202020204" pitchFamily="34" charset="0"/>
+              </a:rPr>
+              <a:t>hàm</a:t>
+            </a:r>
+            <a:r>
+              <a:rPr lang="en-US" sz="3000" dirty="0">
+                <a:latin typeface="Segoe UI Black" panose="020B0A02040204020203" pitchFamily="34" charset="0"/>
+                <a:cs typeface="Arial" panose="020B0604020202020204" pitchFamily="34" charset="0"/>
+              </a:rPr>
+              <a:t> :  </a:t>
+            </a:r>
           </a:p>
         </p:txBody>
       </p:sp>
@@ -8093,10 +8514,9 @@
           <a:lstStyle/>
           <a:p>
             <a:r>
-              <a:rPr lang="en-US" smtClean="0"/>
+              <a:rPr lang="en-US"/>
               <a:t>ArduinoJson.h – lưu giá trị array</a:t>
             </a:r>
-            <a:endParaRPr lang="en-US"/>
           </a:p>
         </p:txBody>
       </p:sp>
@@ -8121,10 +8541,9 @@
           <a:lstStyle/>
           <a:p>
             <a:r>
-              <a:rPr lang="en-US" smtClean="0"/>
+              <a:rPr lang="en-US"/>
               <a:t>Kết quả in ra màn hình</a:t>
             </a:r>
-            <a:endParaRPr lang="en-US"/>
           </a:p>
         </p:txBody>
       </p:sp>
@@ -8156,27 +8575,18 @@
           <a:p>
             <a:pPr algn="just"/>
             <a:r>
-              <a:rPr lang="en-US" sz="1400" smtClean="0"/>
-              <a:t>Ex: Tạo chuỗi </a:t>
-            </a:r>
-            <a:r>
               <a:rPr lang="en-US" sz="1400"/>
-              <a:t>Json {"temp":[2,1</a:t>
-            </a:r>
-            <a:r>
-              <a:rPr lang="en-US" sz="1400" smtClean="0"/>
-              <a:t>]}: </a:t>
-            </a:r>
+              <a:t>Ex: Tạo chuỗi Json {"temp":[2,1]}: </a:t>
+            </a:r>
+          </a:p>
+          <a:p>
+            <a:pPr algn="just"/>
             <a:endParaRPr lang="en-US" sz="1400"/>
           </a:p>
           <a:p>
             <a:pPr algn="just"/>
-            <a:endParaRPr lang="en-US" sz="1400" smtClean="0"/>
-          </a:p>
-          <a:p>
-            <a:pPr algn="just"/>
-            <a:r>
-              <a:rPr lang="en-US" sz="1400" smtClean="0">
+            <a:r>
+              <a:rPr lang="en-US" sz="1400">
                 <a:solidFill>
                   <a:schemeClr val="accent2">
                     <a:lumMod val="75000"/>
@@ -8186,7 +8596,7 @@
               <a:t>String</a:t>
             </a:r>
             <a:r>
-              <a:rPr lang="en-US" sz="1400" smtClean="0">
+              <a:rPr lang="en-US" sz="1400">
                 <a:solidFill>
                   <a:schemeClr val="accent5">
                     <a:lumMod val="60000"/>
@@ -8197,7 +8607,7 @@
               <a:t> </a:t>
             </a:r>
             <a:r>
-              <a:rPr lang="en-US" sz="1400" smtClean="0">
+              <a:rPr lang="en-US" sz="1400">
                 <a:solidFill>
                   <a:schemeClr val="accent1">
                     <a:lumMod val="75000"/>
@@ -8207,11 +8617,11 @@
               <a:t>out</a:t>
             </a:r>
             <a:r>
-              <a:rPr lang="en-US" sz="1400" smtClean="0"/>
+              <a:rPr lang="en-US" sz="1400"/>
               <a:t>=</a:t>
             </a:r>
             <a:r>
-              <a:rPr lang="en-US" sz="1400" smtClean="0">
+              <a:rPr lang="en-US" sz="1400">
                 <a:solidFill>
                   <a:schemeClr val="accent5">
                     <a:lumMod val="60000"/>
@@ -8221,12 +8631,12 @@
               </a:rPr>
               <a:t> “”;</a:t>
             </a:r>
-            <a:endParaRPr lang="en-US" sz="1400" smtClean="0"/>
+            <a:endParaRPr lang="en-US" sz="1400"/>
           </a:p>
           <a:p>
             <a:pPr algn="just"/>
             <a:r>
-              <a:rPr lang="en-US" sz="1400" smtClean="0">
+              <a:rPr lang="en-US" sz="1400">
                 <a:solidFill>
                   <a:schemeClr val="accent2">
                     <a:lumMod val="75000"/>
@@ -8236,11 +8646,11 @@
               <a:t>DynamicJsonDocument</a:t>
             </a:r>
             <a:r>
-              <a:rPr lang="en-US" sz="1400" smtClean="0"/>
+              <a:rPr lang="en-US" sz="1400"/>
               <a:t> </a:t>
             </a:r>
             <a:r>
-              <a:rPr lang="en-US" sz="1400" smtClean="0">
+              <a:rPr lang="en-US" sz="1400">
                 <a:solidFill>
                   <a:schemeClr val="accent1">
                     <a:lumMod val="75000"/>
@@ -8250,14 +8660,14 @@
               <a:t>doc</a:t>
             </a:r>
             <a:r>
-              <a:rPr lang="en-US" sz="1400" smtClean="0"/>
+              <a:rPr lang="en-US" sz="1400"/>
               <a:t> (53);</a:t>
             </a:r>
           </a:p>
           <a:p>
             <a:pPr algn="just"/>
             <a:r>
-              <a:rPr lang="en-US" sz="1400" smtClean="0">
+              <a:rPr lang="en-US" sz="1400">
                 <a:solidFill>
                   <a:schemeClr val="accent6">
                     <a:lumMod val="60000"/>
@@ -8272,37 +8682,17 @@
           <a:p>
             <a:pPr algn="just"/>
             <a:r>
-              <a:rPr lang="en-US" sz="1400" smtClean="0">
+              <a:rPr lang="en-US" sz="1400">
                 <a:solidFill>
                   <a:schemeClr val="accent1">
                     <a:lumMod val="75000"/>
                   </a:schemeClr>
                 </a:solidFill>
               </a:rPr>
-              <a:t>doc[“temp”][0] </a:t>
+              <a:t>doc[“temp”][0] = 2; </a:t>
             </a:r>
             <a:r>
               <a:rPr lang="en-US" sz="1400">
-                <a:solidFill>
-                  <a:schemeClr val="accent1">
-                    <a:lumMod val="75000"/>
-                  </a:schemeClr>
-                </a:solidFill>
-              </a:rPr>
-              <a:t>= </a:t>
-            </a:r>
-            <a:r>
-              <a:rPr lang="en-US" sz="1400" smtClean="0">
-                <a:solidFill>
-                  <a:schemeClr val="accent1">
-                    <a:lumMod val="75000"/>
-                  </a:schemeClr>
-                </a:solidFill>
-              </a:rPr>
-              <a:t>2; </a:t>
-            </a:r>
-            <a:r>
-              <a:rPr lang="en-US" sz="1400" smtClean="0">
                 <a:solidFill>
                   <a:schemeClr val="accent6">
                     <a:lumMod val="60000"/>
@@ -8316,7 +8706,7 @@
           <a:p>
             <a:pPr algn="just"/>
             <a:r>
-              <a:rPr lang="en-US" sz="1400" smtClean="0">
+              <a:rPr lang="en-US" sz="1400">
                 <a:solidFill>
                   <a:schemeClr val="accent1">
                     <a:lumMod val="75000"/>
@@ -8326,7 +8716,7 @@
               <a:t> doc[“temp”][1] = 1</a:t>
             </a:r>
             <a:r>
-              <a:rPr lang="en-US" sz="1400" smtClean="0">
+              <a:rPr lang="en-US" sz="1400">
                 <a:solidFill>
                   <a:schemeClr val="accent6">
                     <a:lumMod val="60000"/>
@@ -8358,23 +8748,13 @@
                   </a:schemeClr>
                 </a:solidFill>
               </a:rPr>
-              <a:t>serializeJson(doc, </a:t>
-            </a:r>
-            <a:r>
-              <a:rPr lang="en-US" sz="1400" smtClean="0">
-                <a:solidFill>
-                  <a:schemeClr val="accent1">
-                    <a:lumMod val="75000"/>
-                  </a:schemeClr>
-                </a:solidFill>
-              </a:rPr>
-              <a:t>out);</a:t>
+              <a:t>serializeJson(doc, out);</a:t>
             </a:r>
           </a:p>
           <a:p>
             <a:pPr algn="just"/>
             <a:r>
-              <a:rPr lang="en-US" sz="1400" smtClean="0">
+              <a:rPr lang="en-US" sz="1400">
                 <a:solidFill>
                   <a:schemeClr val="accent6">
                     <a:lumMod val="75000"/>
@@ -8383,13 +8763,6 @@
               </a:rPr>
               <a:t>//output = {“sensor”: “gps”}</a:t>
             </a:r>
-            <a:endParaRPr lang="en-US" sz="1400">
-              <a:solidFill>
-                <a:schemeClr val="accent6">
-                  <a:lumMod val="75000"/>
-                </a:schemeClr>
-              </a:solidFill>
-            </a:endParaRPr>
           </a:p>
         </p:txBody>
       </p:sp>
@@ -8522,13 +8895,6 @@
   <p:clrMapOvr>
     <a:masterClrMapping/>
   </p:clrMapOvr>
-  <p:timing>
-    <p:tnLst>
-      <p:par>
-        <p:cTn id="1" dur="indefinite" restart="never" nodeType="tmRoot"/>
-      </p:par>
-    </p:tnLst>
-  </p:timing>
 </p:sld>
 </file>
 
@@ -8565,13 +8931,62 @@
           <a:lstStyle/>
           <a:p>
             <a:r>
-              <a:rPr lang="en-US">
-                <a:latin typeface="Arial" panose="020B0604020202020204" pitchFamily="34" charset="0"/>
+              <a:rPr lang="en-US" dirty="0" err="1">
+                <a:latin typeface="Segoe UI Black" panose="020B0A02040204020203" pitchFamily="34" charset="0"/>
                 <a:cs typeface="Arial" panose="020B0604020202020204" pitchFamily="34" charset="0"/>
               </a:rPr>
-              <a:t>Thư viện &amp; các hàm : </a:t>
-            </a:r>
-            <a:endParaRPr lang="en-US"/>
+              <a:t>Thư</a:t>
+            </a:r>
+            <a:r>
+              <a:rPr lang="en-US" dirty="0">
+                <a:latin typeface="Segoe UI Black" panose="020B0A02040204020203" pitchFamily="34" charset="0"/>
+                <a:cs typeface="Arial" panose="020B0604020202020204" pitchFamily="34" charset="0"/>
+              </a:rPr>
+              <a:t> </a:t>
+            </a:r>
+            <a:r>
+              <a:rPr lang="en-US" dirty="0" err="1">
+                <a:latin typeface="Segoe UI Black" panose="020B0A02040204020203" pitchFamily="34" charset="0"/>
+                <a:cs typeface="Arial" panose="020B0604020202020204" pitchFamily="34" charset="0"/>
+              </a:rPr>
+              <a:t>viện</a:t>
+            </a:r>
+            <a:r>
+              <a:rPr lang="en-US" dirty="0">
+                <a:latin typeface="Segoe UI Black" panose="020B0A02040204020203" pitchFamily="34" charset="0"/>
+                <a:cs typeface="Arial" panose="020B0604020202020204" pitchFamily="34" charset="0"/>
+              </a:rPr>
+              <a:t> &amp; </a:t>
+            </a:r>
+            <a:r>
+              <a:rPr lang="en-US" dirty="0" err="1">
+                <a:latin typeface="Segoe UI Black" panose="020B0A02040204020203" pitchFamily="34" charset="0"/>
+                <a:cs typeface="Arial" panose="020B0604020202020204" pitchFamily="34" charset="0"/>
+              </a:rPr>
+              <a:t>các</a:t>
+            </a:r>
+            <a:r>
+              <a:rPr lang="en-US" dirty="0">
+                <a:latin typeface="Segoe UI Black" panose="020B0A02040204020203" pitchFamily="34" charset="0"/>
+                <a:cs typeface="Arial" panose="020B0604020202020204" pitchFamily="34" charset="0"/>
+              </a:rPr>
+              <a:t> </a:t>
+            </a:r>
+            <a:r>
+              <a:rPr lang="en-US" dirty="0" err="1">
+                <a:latin typeface="Segoe UI Black" panose="020B0A02040204020203" pitchFamily="34" charset="0"/>
+                <a:cs typeface="Arial" panose="020B0604020202020204" pitchFamily="34" charset="0"/>
+              </a:rPr>
+              <a:t>hàm</a:t>
+            </a:r>
+            <a:r>
+              <a:rPr lang="en-US" dirty="0">
+                <a:latin typeface="Segoe UI Black" panose="020B0A02040204020203" pitchFamily="34" charset="0"/>
+                <a:cs typeface="Arial" panose="020B0604020202020204" pitchFamily="34" charset="0"/>
+              </a:rPr>
+              <a:t> : </a:t>
+            </a:r>
+            <a:endParaRPr lang="en-US" dirty="0"/>
           </a:p>
         </p:txBody>
       </p:sp>
@@ -8593,10 +9008,9 @@
           <a:lstStyle/>
           <a:p>
             <a:r>
-              <a:rPr lang="en-US" smtClean="0"/>
+              <a:rPr lang="en-US"/>
               <a:t>ArduinoJson.h – Add Json to Json</a:t>
             </a:r>
-            <a:endParaRPr lang="en-US"/>
           </a:p>
           <a:p>
             <a:endParaRPr lang="en-US"/>
@@ -8624,13 +9038,13 @@
           <a:lstStyle/>
           <a:p>
             <a:r>
-              <a:rPr lang="en-US" smtClean="0"/>
+              <a:rPr lang="en-US"/>
               <a:t>EX: tạo chuỗi Json như bên:</a:t>
             </a:r>
           </a:p>
           <a:p>
             <a:r>
-              <a:rPr lang="en-US" smtClean="0">
+              <a:rPr lang="en-US">
                 <a:solidFill>
                   <a:schemeClr val="accent2">
                     <a:lumMod val="75000"/>
@@ -8640,11 +9054,11 @@
               <a:t>StaticJsonDocument</a:t>
             </a:r>
             <a:r>
-              <a:rPr lang="en-US" smtClean="0"/>
+              <a:rPr lang="en-US"/>
               <a:t> &lt;71&gt; </a:t>
             </a:r>
             <a:r>
-              <a:rPr lang="en-US" smtClean="0">
+              <a:rPr lang="en-US">
                 <a:solidFill>
                   <a:schemeClr val="accent1">
                     <a:lumMod val="75000"/>
@@ -8654,13 +9068,13 @@
               <a:t>doc</a:t>
             </a:r>
             <a:r>
-              <a:rPr lang="en-US" smtClean="0"/>
+              <a:rPr lang="en-US"/>
               <a:t>;</a:t>
             </a:r>
           </a:p>
           <a:p>
             <a:r>
-              <a:rPr lang="en-US" smtClean="0">
+              <a:rPr lang="en-US">
                 <a:solidFill>
                   <a:schemeClr val="accent2">
                     <a:lumMod val="75000"/>
@@ -8670,11 +9084,11 @@
               <a:t>String</a:t>
             </a:r>
             <a:r>
-              <a:rPr lang="en-US" smtClean="0"/>
+              <a:rPr lang="en-US"/>
               <a:t> </a:t>
             </a:r>
             <a:r>
-              <a:rPr lang="en-US" smtClean="0">
+              <a:rPr lang="en-US">
                 <a:solidFill>
                   <a:schemeClr val="accent1">
                     <a:lumMod val="75000"/>
@@ -8684,10 +9098,9 @@
               <a:t>out</a:t>
             </a:r>
             <a:r>
-              <a:rPr lang="en-US" smtClean="0"/>
+              <a:rPr lang="en-US"/>
               <a:t> =“”;</a:t>
             </a:r>
-            <a:endParaRPr lang="en-US"/>
           </a:p>
           <a:p>
             <a:r>
@@ -8695,7 +9108,7 @@
               <a:t> </a:t>
             </a:r>
             <a:r>
-              <a:rPr lang="en-US" smtClean="0">
+              <a:rPr lang="en-US">
                 <a:solidFill>
                   <a:schemeClr val="accent1">
                     <a:lumMod val="75000"/>
@@ -8707,7 +9120,7 @@
           </a:p>
           <a:p>
             <a:r>
-              <a:rPr lang="en-US" smtClean="0">
+              <a:rPr lang="en-US">
                 <a:solidFill>
                   <a:schemeClr val="accent2">
                     <a:lumMod val="75000"/>
@@ -8717,11 +9130,11 @@
               <a:t>JsonObject</a:t>
             </a:r>
             <a:r>
-              <a:rPr lang="en-US" smtClean="0"/>
+              <a:rPr lang="en-US"/>
               <a:t> </a:t>
             </a:r>
             <a:r>
-              <a:rPr lang="en-US" smtClean="0">
+              <a:rPr lang="en-US">
                 <a:solidFill>
                   <a:schemeClr val="accent1">
                     <a:lumMod val="75000"/>
@@ -8731,11 +9144,11 @@
               <a:t>obj </a:t>
             </a:r>
             <a:r>
-              <a:rPr lang="en-US" smtClean="0"/>
+              <a:rPr lang="en-US"/>
               <a:t>= </a:t>
             </a:r>
             <a:r>
-              <a:rPr lang="en-US" smtClean="0">
+              <a:rPr lang="en-US">
                 <a:solidFill>
                   <a:schemeClr val="accent4">
                     <a:lumMod val="75000"/>
@@ -8750,11 +9163,11 @@
           </a:p>
           <a:p>
             <a:r>
-              <a:rPr lang="en-US" smtClean="0"/>
+              <a:rPr lang="en-US"/>
               <a:t> </a:t>
             </a:r>
             <a:r>
-              <a:rPr lang="en-US" smtClean="0">
+              <a:rPr lang="en-US">
                 <a:solidFill>
                   <a:schemeClr val="accent1">
                     <a:lumMod val="75000"/>
@@ -8764,7 +9177,7 @@
               <a:t>obj[“</a:t>
             </a:r>
             <a:r>
-              <a:rPr lang="en-US" smtClean="0">
+              <a:rPr lang="en-US">
                 <a:solidFill>
                   <a:schemeClr val="accent2">
                     <a:lumMod val="60000"/>
@@ -8775,7 +9188,7 @@
               <a:t>sensor</a:t>
             </a:r>
             <a:r>
-              <a:rPr lang="en-US" smtClean="0">
+              <a:rPr lang="en-US">
                 <a:solidFill>
                   <a:schemeClr val="accent1">
                     <a:lumMod val="75000"/>
@@ -8785,7 +9198,7 @@
               <a:t>”] = “</a:t>
             </a:r>
             <a:r>
-              <a:rPr lang="en-US" smtClean="0">
+              <a:rPr lang="en-US">
                 <a:solidFill>
                   <a:schemeClr val="accent2">
                     <a:lumMod val="60000"/>
@@ -8796,7 +9209,7 @@
               <a:t>gps</a:t>
             </a:r>
             <a:r>
-              <a:rPr lang="en-US" smtClean="0">
+              <a:rPr lang="en-US">
                 <a:solidFill>
                   <a:schemeClr val="accent1">
                     <a:lumMod val="75000"/>
@@ -8811,11 +9224,11 @@
           </a:p>
           <a:p>
             <a:r>
-              <a:rPr lang="en-US" smtClean="0"/>
+              <a:rPr lang="en-US"/>
               <a:t> </a:t>
             </a:r>
             <a:r>
-              <a:rPr lang="en-US" smtClean="0">
+              <a:rPr lang="en-US">
                 <a:solidFill>
                   <a:schemeClr val="accent4">
                     <a:lumMod val="75000"/>
@@ -8825,7 +9238,7 @@
               <a:t>serializeJson(doc, out); </a:t>
             </a:r>
             <a:r>
-              <a:rPr lang="en-US" smtClean="0">
+              <a:rPr lang="en-US">
                 <a:solidFill>
                   <a:schemeClr val="accent6">
                     <a:lumMod val="75000"/>
@@ -8859,16 +9272,15 @@
           <a:lstStyle/>
           <a:p>
             <a:r>
-              <a:rPr lang="en-US" smtClean="0"/>
+              <a:rPr lang="en-US"/>
               <a:t>Kết quả chuỗi out:</a:t>
             </a:r>
           </a:p>
           <a:p>
             <a:r>
-              <a:rPr lang="en-US" smtClean="0"/>
+              <a:rPr lang="en-US"/>
               <a:t>{</a:t>
             </a:r>
-            <a:endParaRPr lang="en-US"/>
           </a:p>
           <a:p>
             <a:r>
@@ -8925,18 +9337,14 @@
           <a:lstStyle/>
           <a:p>
             <a:r>
-              <a:rPr lang="en-US" smtClean="0"/>
+              <a:rPr lang="en-US"/>
               <a:t>JsonObject createNestedObject(“name”)</a:t>
             </a:r>
           </a:p>
           <a:p>
             <a:r>
               <a:rPr lang="en-US"/>
-              <a:t>	</a:t>
-            </a:r>
-            <a:r>
-              <a:rPr lang="en-US" smtClean="0"/>
-              <a:t>- Tạo thêm Json name.</a:t>
+              <a:t>	- Tạo thêm Json name.</a:t>
             </a:r>
           </a:p>
         </p:txBody>
@@ -9016,13 +9424,6 @@
   <p:clrMapOvr>
     <a:masterClrMapping/>
   </p:clrMapOvr>
-  <p:timing>
-    <p:tnLst>
-      <p:par>
-        <p:cTn id="1" dur="indefinite" restart="never" nodeType="tmRoot"/>
-      </p:par>
-    </p:tnLst>
-  </p:timing>
 </p:sld>
 </file>
 
@@ -9078,7 +9479,7 @@
           <a:lstStyle/>
           <a:p>
             <a:r>
-              <a:rPr lang="en-US" smtClean="0"/>
+              <a:rPr lang="en-US"/>
               <a:t>www.indruino.com</a:t>
             </a:r>
             <a:endParaRPr lang="en-US" dirty="0"/>
@@ -9095,13 +9496,6 @@
   <p:clrMapOvr>
     <a:masterClrMapping/>
   </p:clrMapOvr>
-  <p:timing>
-    <p:tnLst>
-      <p:par>
-        <p:cTn id="1" dur="indefinite" restart="never" nodeType="tmRoot"/>
-      </p:par>
-    </p:tnLst>
-  </p:timing>
 </p:sld>
 </file>
 
